--- a/OGP.pptx
+++ b/OGP.pptx
@@ -2,19 +2,20 @@
 <file path=ppt/presentation.xml><?xml version="1.0" encoding="utf-8"?>
 <p:presentation xmlns:a="http://schemas.openxmlformats.org/drawingml/2006/main" xmlns:r="http://schemas.openxmlformats.org/officeDocument/2006/relationships" xmlns:p="http://schemas.openxmlformats.org/presentationml/2006/main" saveSubsetFonts="1" autoCompressPictures="0">
   <p:sldMasterIdLst>
-    <p:sldMasterId id="2147483648" r:id="rId1"/>
+    <p:sldMasterId id="2147483672" r:id="rId1"/>
   </p:sldMasterIdLst>
   <p:sldIdLst>
     <p:sldId id="256" r:id="rId2"/>
+    <p:sldId id="257" r:id="rId3"/>
   </p:sldIdLst>
-  <p:sldSz cx="12192000" cy="6858000"/>
+  <p:sldSz cx="15238413" cy="8002588"/>
   <p:notesSz cx="6858000" cy="9144000"/>
   <p:defaultTextStyle>
     <a:defPPr>
-      <a:defRPr lang="ja-JP"/>
+      <a:defRPr lang="en-US"/>
     </a:defPPr>
-    <a:lvl1pPr marL="0" algn="l" defTabSz="914400" rtl="0" eaLnBrk="1" latinLnBrk="0" hangingPunct="1">
-      <a:defRPr kumimoji="1" sz="1800" kern="1200">
+    <a:lvl1pPr marL="0" algn="l" defTabSz="457200" rtl="0" eaLnBrk="1" latinLnBrk="0" hangingPunct="1">
+      <a:defRPr sz="1800" kern="1200">
         <a:solidFill>
           <a:schemeClr val="tx1"/>
         </a:solidFill>
@@ -23,8 +24,8 @@
         <a:cs typeface="+mn-cs"/>
       </a:defRPr>
     </a:lvl1pPr>
-    <a:lvl2pPr marL="457200" algn="l" defTabSz="914400" rtl="0" eaLnBrk="1" latinLnBrk="0" hangingPunct="1">
-      <a:defRPr kumimoji="1" sz="1800" kern="1200">
+    <a:lvl2pPr marL="457200" algn="l" defTabSz="457200" rtl="0" eaLnBrk="1" latinLnBrk="0" hangingPunct="1">
+      <a:defRPr sz="1800" kern="1200">
         <a:solidFill>
           <a:schemeClr val="tx1"/>
         </a:solidFill>
@@ -33,8 +34,8 @@
         <a:cs typeface="+mn-cs"/>
       </a:defRPr>
     </a:lvl2pPr>
-    <a:lvl3pPr marL="914400" algn="l" defTabSz="914400" rtl="0" eaLnBrk="1" latinLnBrk="0" hangingPunct="1">
-      <a:defRPr kumimoji="1" sz="1800" kern="1200">
+    <a:lvl3pPr marL="914400" algn="l" defTabSz="457200" rtl="0" eaLnBrk="1" latinLnBrk="0" hangingPunct="1">
+      <a:defRPr sz="1800" kern="1200">
         <a:solidFill>
           <a:schemeClr val="tx1"/>
         </a:solidFill>
@@ -43,8 +44,8 @@
         <a:cs typeface="+mn-cs"/>
       </a:defRPr>
     </a:lvl3pPr>
-    <a:lvl4pPr marL="1371600" algn="l" defTabSz="914400" rtl="0" eaLnBrk="1" latinLnBrk="0" hangingPunct="1">
-      <a:defRPr kumimoji="1" sz="1800" kern="1200">
+    <a:lvl4pPr marL="1371600" algn="l" defTabSz="457200" rtl="0" eaLnBrk="1" latinLnBrk="0" hangingPunct="1">
+      <a:defRPr sz="1800" kern="1200">
         <a:solidFill>
           <a:schemeClr val="tx1"/>
         </a:solidFill>
@@ -53,8 +54,8 @@
         <a:cs typeface="+mn-cs"/>
       </a:defRPr>
     </a:lvl4pPr>
-    <a:lvl5pPr marL="1828800" algn="l" defTabSz="914400" rtl="0" eaLnBrk="1" latinLnBrk="0" hangingPunct="1">
-      <a:defRPr kumimoji="1" sz="1800" kern="1200">
+    <a:lvl5pPr marL="1828800" algn="l" defTabSz="457200" rtl="0" eaLnBrk="1" latinLnBrk="0" hangingPunct="1">
+      <a:defRPr sz="1800" kern="1200">
         <a:solidFill>
           <a:schemeClr val="tx1"/>
         </a:solidFill>
@@ -63,8 +64,8 @@
         <a:cs typeface="+mn-cs"/>
       </a:defRPr>
     </a:lvl5pPr>
-    <a:lvl6pPr marL="2286000" algn="l" defTabSz="914400" rtl="0" eaLnBrk="1" latinLnBrk="0" hangingPunct="1">
-      <a:defRPr kumimoji="1" sz="1800" kern="1200">
+    <a:lvl6pPr marL="2286000" algn="l" defTabSz="457200" rtl="0" eaLnBrk="1" latinLnBrk="0" hangingPunct="1">
+      <a:defRPr sz="1800" kern="1200">
         <a:solidFill>
           <a:schemeClr val="tx1"/>
         </a:solidFill>
@@ -73,8 +74,8 @@
         <a:cs typeface="+mn-cs"/>
       </a:defRPr>
     </a:lvl6pPr>
-    <a:lvl7pPr marL="2743200" algn="l" defTabSz="914400" rtl="0" eaLnBrk="1" latinLnBrk="0" hangingPunct="1">
-      <a:defRPr kumimoji="1" sz="1800" kern="1200">
+    <a:lvl7pPr marL="2743200" algn="l" defTabSz="457200" rtl="0" eaLnBrk="1" latinLnBrk="0" hangingPunct="1">
+      <a:defRPr sz="1800" kern="1200">
         <a:solidFill>
           <a:schemeClr val="tx1"/>
         </a:solidFill>
@@ -83,8 +84,8 @@
         <a:cs typeface="+mn-cs"/>
       </a:defRPr>
     </a:lvl7pPr>
-    <a:lvl8pPr marL="3200400" algn="l" defTabSz="914400" rtl="0" eaLnBrk="1" latinLnBrk="0" hangingPunct="1">
-      <a:defRPr kumimoji="1" sz="1800" kern="1200">
+    <a:lvl8pPr marL="3200400" algn="l" defTabSz="457200" rtl="0" eaLnBrk="1" latinLnBrk="0" hangingPunct="1">
+      <a:defRPr sz="1800" kern="1200">
         <a:solidFill>
           <a:schemeClr val="tx1"/>
         </a:solidFill>
@@ -93,8 +94,8 @@
         <a:cs typeface="+mn-cs"/>
       </a:defRPr>
     </a:lvl8pPr>
-    <a:lvl9pPr marL="3657600" algn="l" defTabSz="914400" rtl="0" eaLnBrk="1" latinLnBrk="0" hangingPunct="1">
-      <a:defRPr kumimoji="1" sz="1800" kern="1200">
+    <a:lvl9pPr marL="3657600" algn="l" defTabSz="457200" rtl="0" eaLnBrk="1" latinLnBrk="0" hangingPunct="1">
+      <a:defRPr sz="1800" kern="1200">
         <a:solidFill>
           <a:schemeClr val="tx1"/>
         </a:solidFill>
@@ -104,6 +105,11 @@
       </a:defRPr>
     </a:lvl9pPr>
   </p:defaultTextStyle>
+  <p:extLst>
+    <p:ext uri="{EFAFB233-063F-42B5-8137-9DF3F51BA10A}">
+      <p15:sldGuideLst xmlns:p15="http://schemas.microsoft.com/office/powerpoint/2012/main"/>
+    </p:ext>
+  </p:extLst>
 </p:presentation>
 </file>
 
@@ -126,13 +132,7 @@
       </p:grpSpPr>
       <p:sp>
         <p:nvSpPr>
-          <p:cNvPr id="2" name="タイトル 1">
-            <a:extLst>
-              <a:ext uri="{FF2B5EF4-FFF2-40B4-BE49-F238E27FC236}">
-                <a16:creationId xmlns:a16="http://schemas.microsoft.com/office/drawing/2014/main" id="{8B3407BF-E68C-6E4C-86DB-85361D07E13E}"/>
-              </a:ext>
-            </a:extLst>
-          </p:cNvPr>
+          <p:cNvPr id="2" name="Title 1"/>
           <p:cNvSpPr>
             <a:spLocks noGrp="1"/>
           </p:cNvSpPr>
@@ -142,34 +142,29 @@
         </p:nvSpPr>
         <p:spPr>
           <a:xfrm>
-            <a:off x="1524000" y="1122363"/>
-            <a:ext cx="9144000" cy="2387600"/>
+            <a:off x="1904802" y="1309683"/>
+            <a:ext cx="11428810" cy="2786086"/>
           </a:xfrm>
         </p:spPr>
         <p:txBody>
           <a:bodyPr anchor="b"/>
           <a:lstStyle>
             <a:lvl1pPr algn="ctr">
-              <a:defRPr sz="6000"/>
+              <a:defRPr sz="7001"/>
             </a:lvl1pPr>
           </a:lstStyle>
           <a:p>
             <a:r>
-              <a:rPr kumimoji="1" lang="ja-JP" altLang="en-US"/>
+              <a:rPr lang="ja-JP" altLang="en-US"/>
               <a:t>マスター タイトルの書式設定</a:t>
             </a:r>
-          </a:p>
-        </p:txBody>
-      </p:sp>
-      <p:sp>
-        <p:nvSpPr>
-          <p:cNvPr id="3" name="字幕 2">
-            <a:extLst>
-              <a:ext uri="{FF2B5EF4-FFF2-40B4-BE49-F238E27FC236}">
-                <a16:creationId xmlns:a16="http://schemas.microsoft.com/office/drawing/2014/main" id="{89593D42-AC09-CF42-A55B-B3A5F83308FC}"/>
-              </a:ext>
-            </a:extLst>
-          </p:cNvPr>
+            <a:endParaRPr lang="en-US" dirty="0"/>
+          </a:p>
+        </p:txBody>
+      </p:sp>
+      <p:sp>
+        <p:nvSpPr>
+          <p:cNvPr id="3" name="Subtitle 2"/>
           <p:cNvSpPr>
             <a:spLocks noGrp="1"/>
           </p:cNvSpPr>
@@ -179,8 +174,8 @@
         </p:nvSpPr>
         <p:spPr>
           <a:xfrm>
-            <a:off x="1524000" y="3602038"/>
-            <a:ext cx="9144000" cy="1655762"/>
+            <a:off x="1904802" y="4203212"/>
+            <a:ext cx="11428810" cy="1932106"/>
           </a:xfrm>
         </p:spPr>
         <p:txBody>
@@ -188,58 +183,53 @@
           <a:lstStyle>
             <a:lvl1pPr marL="0" indent="0" algn="ctr">
               <a:buNone/>
-              <a:defRPr sz="2400"/>
+              <a:defRPr sz="2801"/>
             </a:lvl1pPr>
-            <a:lvl2pPr marL="457200" indent="0" algn="ctr">
-              <a:buNone/>
-              <a:defRPr sz="2000"/>
+            <a:lvl2pPr marL="533507" indent="0" algn="ctr">
+              <a:buNone/>
+              <a:defRPr sz="2334"/>
             </a:lvl2pPr>
-            <a:lvl3pPr marL="914400" indent="0" algn="ctr">
-              <a:buNone/>
-              <a:defRPr sz="1800"/>
+            <a:lvl3pPr marL="1067013" indent="0" algn="ctr">
+              <a:buNone/>
+              <a:defRPr sz="2100"/>
             </a:lvl3pPr>
-            <a:lvl4pPr marL="1371600" indent="0" algn="ctr">
-              <a:buNone/>
-              <a:defRPr sz="1600"/>
+            <a:lvl4pPr marL="1600520" indent="0" algn="ctr">
+              <a:buNone/>
+              <a:defRPr sz="1867"/>
             </a:lvl4pPr>
-            <a:lvl5pPr marL="1828800" indent="0" algn="ctr">
-              <a:buNone/>
-              <a:defRPr sz="1600"/>
+            <a:lvl5pPr marL="2134027" indent="0" algn="ctr">
+              <a:buNone/>
+              <a:defRPr sz="1867"/>
             </a:lvl5pPr>
-            <a:lvl6pPr marL="2286000" indent="0" algn="ctr">
-              <a:buNone/>
-              <a:defRPr sz="1600"/>
+            <a:lvl6pPr marL="2667533" indent="0" algn="ctr">
+              <a:buNone/>
+              <a:defRPr sz="1867"/>
             </a:lvl6pPr>
-            <a:lvl7pPr marL="2743200" indent="0" algn="ctr">
-              <a:buNone/>
-              <a:defRPr sz="1600"/>
+            <a:lvl7pPr marL="3201040" indent="0" algn="ctr">
+              <a:buNone/>
+              <a:defRPr sz="1867"/>
             </a:lvl7pPr>
-            <a:lvl8pPr marL="3200400" indent="0" algn="ctr">
-              <a:buNone/>
-              <a:defRPr sz="1600"/>
+            <a:lvl8pPr marL="3734547" indent="0" algn="ctr">
+              <a:buNone/>
+              <a:defRPr sz="1867"/>
             </a:lvl8pPr>
-            <a:lvl9pPr marL="3657600" indent="0" algn="ctr">
-              <a:buNone/>
-              <a:defRPr sz="1600"/>
+            <a:lvl9pPr marL="4268053" indent="0" algn="ctr">
+              <a:buNone/>
+              <a:defRPr sz="1867"/>
             </a:lvl9pPr>
           </a:lstStyle>
           <a:p>
             <a:r>
-              <a:rPr kumimoji="1" lang="ja-JP" altLang="en-US"/>
+              <a:rPr lang="ja-JP" altLang="en-US"/>
               <a:t>マスター サブタイトルの書式設定</a:t>
             </a:r>
-          </a:p>
-        </p:txBody>
-      </p:sp>
-      <p:sp>
-        <p:nvSpPr>
-          <p:cNvPr id="4" name="日付プレースホルダー 3">
-            <a:extLst>
-              <a:ext uri="{FF2B5EF4-FFF2-40B4-BE49-F238E27FC236}">
-                <a16:creationId xmlns:a16="http://schemas.microsoft.com/office/drawing/2014/main" id="{C21DCC74-DBBD-A843-A980-6C37B72D098B}"/>
-              </a:ext>
-            </a:extLst>
-          </p:cNvPr>
+            <a:endParaRPr lang="en-US" dirty="0"/>
+          </a:p>
+        </p:txBody>
+      </p:sp>
+      <p:sp>
+        <p:nvSpPr>
+          <p:cNvPr id="4" name="Date Placeholder 3"/>
           <p:cNvSpPr>
             <a:spLocks noGrp="1"/>
           </p:cNvSpPr>
@@ -254,7 +244,7 @@
           <a:p>
             <a:fld id="{8D232F40-33DB-1541-A3A6-02E9A9902D9C}" type="datetimeFigureOut">
               <a:rPr kumimoji="1" lang="ja-JP" altLang="en-US" smtClean="0"/>
-              <a:t>2022/3/30</a:t>
+              <a:t>2022/6/6</a:t>
             </a:fld>
             <a:endParaRPr kumimoji="1" lang="ja-JP" altLang="en-US"/>
           </a:p>
@@ -262,13 +252,7 @@
       </p:sp>
       <p:sp>
         <p:nvSpPr>
-          <p:cNvPr id="5" name="フッター プレースホルダー 4">
-            <a:extLst>
-              <a:ext uri="{FF2B5EF4-FFF2-40B4-BE49-F238E27FC236}">
-                <a16:creationId xmlns:a16="http://schemas.microsoft.com/office/drawing/2014/main" id="{FE61C066-7731-9342-B0A7-FE0B0E6CD5D6}"/>
-              </a:ext>
-            </a:extLst>
-          </p:cNvPr>
+          <p:cNvPr id="5" name="Footer Placeholder 4"/>
           <p:cNvSpPr>
             <a:spLocks noGrp="1"/>
           </p:cNvSpPr>
@@ -287,13 +271,7 @@
       </p:sp>
       <p:sp>
         <p:nvSpPr>
-          <p:cNvPr id="6" name="スライド番号プレースホルダー 5">
-            <a:extLst>
-              <a:ext uri="{FF2B5EF4-FFF2-40B4-BE49-F238E27FC236}">
-                <a16:creationId xmlns:a16="http://schemas.microsoft.com/office/drawing/2014/main" id="{EBEB122C-8C51-EE4D-9252-98B2A964F7BC}"/>
-              </a:ext>
-            </a:extLst>
-          </p:cNvPr>
+          <p:cNvPr id="6" name="Slide Number Placeholder 5"/>
           <p:cNvSpPr>
             <a:spLocks noGrp="1"/>
           </p:cNvSpPr>
@@ -317,7 +295,7 @@
     </p:spTree>
     <p:extLst>
       <p:ext uri="{BB962C8B-B14F-4D97-AF65-F5344CB8AC3E}">
-        <p14:creationId xmlns:p14="http://schemas.microsoft.com/office/powerpoint/2010/main" val="2673072071"/>
+        <p14:creationId xmlns:p14="http://schemas.microsoft.com/office/powerpoint/2010/main" val="1174883232"/>
       </p:ext>
     </p:extLst>
   </p:cSld>
@@ -346,13 +324,7 @@
       </p:grpSpPr>
       <p:sp>
         <p:nvSpPr>
-          <p:cNvPr id="2" name="タイトル 1">
-            <a:extLst>
-              <a:ext uri="{FF2B5EF4-FFF2-40B4-BE49-F238E27FC236}">
-                <a16:creationId xmlns:a16="http://schemas.microsoft.com/office/drawing/2014/main" id="{68E31F9E-5E20-CA4C-A0BD-880FA4FE2510}"/>
-              </a:ext>
-            </a:extLst>
-          </p:cNvPr>
+          <p:cNvPr id="2" name="Title 1"/>
           <p:cNvSpPr>
             <a:spLocks noGrp="1"/>
           </p:cNvSpPr>
@@ -366,21 +338,16 @@
           <a:lstStyle/>
           <a:p>
             <a:r>
-              <a:rPr kumimoji="1" lang="ja-JP" altLang="en-US"/>
+              <a:rPr lang="ja-JP" altLang="en-US"/>
               <a:t>マスター タイトルの書式設定</a:t>
             </a:r>
-          </a:p>
-        </p:txBody>
-      </p:sp>
-      <p:sp>
-        <p:nvSpPr>
-          <p:cNvPr id="3" name="縦書きテキスト プレースホルダー 2">
-            <a:extLst>
-              <a:ext uri="{FF2B5EF4-FFF2-40B4-BE49-F238E27FC236}">
-                <a16:creationId xmlns:a16="http://schemas.microsoft.com/office/drawing/2014/main" id="{76B37993-FF75-D341-A21C-2387D459BBE9}"/>
-              </a:ext>
-            </a:extLst>
-          </p:cNvPr>
+            <a:endParaRPr lang="en-US" dirty="0"/>
+          </a:p>
+        </p:txBody>
+      </p:sp>
+      <p:sp>
+        <p:nvSpPr>
+          <p:cNvPr id="3" name="Vertical Text Placeholder 2"/>
           <p:cNvSpPr>
             <a:spLocks noGrp="1"/>
           </p:cNvSpPr>
@@ -395,81 +362,76 @@
           <a:p>
             <a:pPr lvl="0"/>
             <a:r>
-              <a:rPr kumimoji="1" lang="ja-JP" altLang="en-US"/>
+              <a:rPr lang="ja-JP" altLang="en-US"/>
               <a:t>マスター テキストの書式設定</a:t>
             </a:r>
           </a:p>
           <a:p>
             <a:pPr lvl="1"/>
             <a:r>
-              <a:rPr kumimoji="1" lang="ja-JP" altLang="en-US"/>
+              <a:rPr lang="ja-JP" altLang="en-US"/>
               <a:t>第 </a:t>
             </a:r>
             <a:r>
-              <a:rPr kumimoji="1" lang="en-US" altLang="ja-JP"/>
+              <a:rPr lang="en-US" altLang="ja-JP"/>
               <a:t>2 </a:t>
             </a:r>
             <a:r>
-              <a:rPr kumimoji="1" lang="ja-JP" altLang="en-US"/>
+              <a:rPr lang="ja-JP" altLang="en-US"/>
               <a:t>レベル</a:t>
             </a:r>
           </a:p>
           <a:p>
             <a:pPr lvl="2"/>
             <a:r>
-              <a:rPr kumimoji="1" lang="ja-JP" altLang="en-US"/>
+              <a:rPr lang="ja-JP" altLang="en-US"/>
               <a:t>第 </a:t>
             </a:r>
             <a:r>
-              <a:rPr kumimoji="1" lang="en-US" altLang="ja-JP"/>
+              <a:rPr lang="en-US" altLang="ja-JP"/>
               <a:t>3 </a:t>
             </a:r>
             <a:r>
-              <a:rPr kumimoji="1" lang="ja-JP" altLang="en-US"/>
+              <a:rPr lang="ja-JP" altLang="en-US"/>
               <a:t>レベル</a:t>
             </a:r>
           </a:p>
           <a:p>
             <a:pPr lvl="3"/>
             <a:r>
-              <a:rPr kumimoji="1" lang="ja-JP" altLang="en-US"/>
+              <a:rPr lang="ja-JP" altLang="en-US"/>
               <a:t>第 </a:t>
             </a:r>
             <a:r>
-              <a:rPr kumimoji="1" lang="en-US" altLang="ja-JP"/>
+              <a:rPr lang="en-US" altLang="ja-JP"/>
               <a:t>4 </a:t>
             </a:r>
             <a:r>
-              <a:rPr kumimoji="1" lang="ja-JP" altLang="en-US"/>
+              <a:rPr lang="ja-JP" altLang="en-US"/>
               <a:t>レベル</a:t>
             </a:r>
           </a:p>
           <a:p>
             <a:pPr lvl="4"/>
             <a:r>
-              <a:rPr kumimoji="1" lang="ja-JP" altLang="en-US"/>
+              <a:rPr lang="ja-JP" altLang="en-US"/>
               <a:t>第 </a:t>
             </a:r>
             <a:r>
-              <a:rPr kumimoji="1" lang="en-US" altLang="ja-JP"/>
+              <a:rPr lang="en-US" altLang="ja-JP"/>
               <a:t>5 </a:t>
             </a:r>
             <a:r>
-              <a:rPr kumimoji="1" lang="ja-JP" altLang="en-US"/>
+              <a:rPr lang="ja-JP" altLang="en-US"/>
               <a:t>レベル</a:t>
             </a:r>
-          </a:p>
-        </p:txBody>
-      </p:sp>
-      <p:sp>
-        <p:nvSpPr>
-          <p:cNvPr id="4" name="日付プレースホルダー 3">
-            <a:extLst>
-              <a:ext uri="{FF2B5EF4-FFF2-40B4-BE49-F238E27FC236}">
-                <a16:creationId xmlns:a16="http://schemas.microsoft.com/office/drawing/2014/main" id="{DE9FBD52-519D-604E-B0A7-A19158318A1F}"/>
-              </a:ext>
-            </a:extLst>
-          </p:cNvPr>
+            <a:endParaRPr lang="en-US" dirty="0"/>
+          </a:p>
+        </p:txBody>
+      </p:sp>
+      <p:sp>
+        <p:nvSpPr>
+          <p:cNvPr id="4" name="Date Placeholder 3"/>
           <p:cNvSpPr>
             <a:spLocks noGrp="1"/>
           </p:cNvSpPr>
@@ -484,7 +446,7 @@
           <a:p>
             <a:fld id="{8D232F40-33DB-1541-A3A6-02E9A9902D9C}" type="datetimeFigureOut">
               <a:rPr kumimoji="1" lang="ja-JP" altLang="en-US" smtClean="0"/>
-              <a:t>2022/3/30</a:t>
+              <a:t>2022/6/6</a:t>
             </a:fld>
             <a:endParaRPr kumimoji="1" lang="ja-JP" altLang="en-US"/>
           </a:p>
@@ -492,13 +454,7 @@
       </p:sp>
       <p:sp>
         <p:nvSpPr>
-          <p:cNvPr id="5" name="フッター プレースホルダー 4">
-            <a:extLst>
-              <a:ext uri="{FF2B5EF4-FFF2-40B4-BE49-F238E27FC236}">
-                <a16:creationId xmlns:a16="http://schemas.microsoft.com/office/drawing/2014/main" id="{33E84F81-C9D5-3849-98A4-6A824F43F388}"/>
-              </a:ext>
-            </a:extLst>
-          </p:cNvPr>
+          <p:cNvPr id="5" name="Footer Placeholder 4"/>
           <p:cNvSpPr>
             <a:spLocks noGrp="1"/>
           </p:cNvSpPr>
@@ -517,13 +473,7 @@
       </p:sp>
       <p:sp>
         <p:nvSpPr>
-          <p:cNvPr id="6" name="スライド番号プレースホルダー 5">
-            <a:extLst>
-              <a:ext uri="{FF2B5EF4-FFF2-40B4-BE49-F238E27FC236}">
-                <a16:creationId xmlns:a16="http://schemas.microsoft.com/office/drawing/2014/main" id="{DE8C7B72-B961-A849-B32C-A178695F7209}"/>
-              </a:ext>
-            </a:extLst>
-          </p:cNvPr>
+          <p:cNvPr id="6" name="Slide Number Placeholder 5"/>
           <p:cNvSpPr>
             <a:spLocks noGrp="1"/>
           </p:cNvSpPr>
@@ -547,7 +497,7 @@
     </p:spTree>
     <p:extLst>
       <p:ext uri="{BB962C8B-B14F-4D97-AF65-F5344CB8AC3E}">
-        <p14:creationId xmlns:p14="http://schemas.microsoft.com/office/powerpoint/2010/main" val="539869951"/>
+        <p14:creationId xmlns:p14="http://schemas.microsoft.com/office/powerpoint/2010/main" val="1447993414"/>
       </p:ext>
     </p:extLst>
   </p:cSld>
@@ -576,13 +526,7 @@
       </p:grpSpPr>
       <p:sp>
         <p:nvSpPr>
-          <p:cNvPr id="2" name="縦書きタイトル 1">
-            <a:extLst>
-              <a:ext uri="{FF2B5EF4-FFF2-40B4-BE49-F238E27FC236}">
-                <a16:creationId xmlns:a16="http://schemas.microsoft.com/office/drawing/2014/main" id="{78E49FA0-C4A8-3245-82BB-F126DF33FBEA}"/>
-              </a:ext>
-            </a:extLst>
-          </p:cNvPr>
+          <p:cNvPr id="2" name="Vertical Title 1"/>
           <p:cNvSpPr>
             <a:spLocks noGrp="1"/>
           </p:cNvSpPr>
@@ -592,8 +536,8 @@
         </p:nvSpPr>
         <p:spPr>
           <a:xfrm>
-            <a:off x="8724900" y="365125"/>
-            <a:ext cx="2628900" cy="5811838"/>
+            <a:off x="10904989" y="426064"/>
+            <a:ext cx="3285783" cy="6781823"/>
           </a:xfrm>
         </p:spPr>
         <p:txBody>
@@ -601,21 +545,16 @@
           <a:lstStyle/>
           <a:p>
             <a:r>
-              <a:rPr kumimoji="1" lang="ja-JP" altLang="en-US"/>
+              <a:rPr lang="ja-JP" altLang="en-US"/>
               <a:t>マスター タイトルの書式設定</a:t>
             </a:r>
-          </a:p>
-        </p:txBody>
-      </p:sp>
-      <p:sp>
-        <p:nvSpPr>
-          <p:cNvPr id="3" name="縦書きテキスト プレースホルダー 2">
-            <a:extLst>
-              <a:ext uri="{FF2B5EF4-FFF2-40B4-BE49-F238E27FC236}">
-                <a16:creationId xmlns:a16="http://schemas.microsoft.com/office/drawing/2014/main" id="{2F0C64CE-A6EB-BB48-B463-FE064EE6D7A4}"/>
-              </a:ext>
-            </a:extLst>
-          </p:cNvPr>
+            <a:endParaRPr lang="en-US" dirty="0"/>
+          </a:p>
+        </p:txBody>
+      </p:sp>
+      <p:sp>
+        <p:nvSpPr>
+          <p:cNvPr id="3" name="Vertical Text Placeholder 2"/>
           <p:cNvSpPr>
             <a:spLocks noGrp="1"/>
           </p:cNvSpPr>
@@ -625,8 +564,8 @@
         </p:nvSpPr>
         <p:spPr>
           <a:xfrm>
-            <a:off x="838200" y="365125"/>
-            <a:ext cx="7734300" cy="5811838"/>
+            <a:off x="1047641" y="426064"/>
+            <a:ext cx="9666868" cy="6781823"/>
           </a:xfrm>
         </p:spPr>
         <p:txBody>
@@ -635,81 +574,76 @@
           <a:p>
             <a:pPr lvl="0"/>
             <a:r>
-              <a:rPr kumimoji="1" lang="ja-JP" altLang="en-US"/>
+              <a:rPr lang="ja-JP" altLang="en-US"/>
               <a:t>マスター テキストの書式設定</a:t>
             </a:r>
           </a:p>
           <a:p>
             <a:pPr lvl="1"/>
             <a:r>
-              <a:rPr kumimoji="1" lang="ja-JP" altLang="en-US"/>
+              <a:rPr lang="ja-JP" altLang="en-US"/>
               <a:t>第 </a:t>
             </a:r>
             <a:r>
-              <a:rPr kumimoji="1" lang="en-US" altLang="ja-JP"/>
+              <a:rPr lang="en-US" altLang="ja-JP"/>
               <a:t>2 </a:t>
             </a:r>
             <a:r>
-              <a:rPr kumimoji="1" lang="ja-JP" altLang="en-US"/>
+              <a:rPr lang="ja-JP" altLang="en-US"/>
               <a:t>レベル</a:t>
             </a:r>
           </a:p>
           <a:p>
             <a:pPr lvl="2"/>
             <a:r>
-              <a:rPr kumimoji="1" lang="ja-JP" altLang="en-US"/>
+              <a:rPr lang="ja-JP" altLang="en-US"/>
               <a:t>第 </a:t>
             </a:r>
             <a:r>
-              <a:rPr kumimoji="1" lang="en-US" altLang="ja-JP"/>
+              <a:rPr lang="en-US" altLang="ja-JP"/>
               <a:t>3 </a:t>
             </a:r>
             <a:r>
-              <a:rPr kumimoji="1" lang="ja-JP" altLang="en-US"/>
+              <a:rPr lang="ja-JP" altLang="en-US"/>
               <a:t>レベル</a:t>
             </a:r>
           </a:p>
           <a:p>
             <a:pPr lvl="3"/>
             <a:r>
-              <a:rPr kumimoji="1" lang="ja-JP" altLang="en-US"/>
+              <a:rPr lang="ja-JP" altLang="en-US"/>
               <a:t>第 </a:t>
             </a:r>
             <a:r>
-              <a:rPr kumimoji="1" lang="en-US" altLang="ja-JP"/>
+              <a:rPr lang="en-US" altLang="ja-JP"/>
               <a:t>4 </a:t>
             </a:r>
             <a:r>
-              <a:rPr kumimoji="1" lang="ja-JP" altLang="en-US"/>
+              <a:rPr lang="ja-JP" altLang="en-US"/>
               <a:t>レベル</a:t>
             </a:r>
           </a:p>
           <a:p>
             <a:pPr lvl="4"/>
             <a:r>
-              <a:rPr kumimoji="1" lang="ja-JP" altLang="en-US"/>
+              <a:rPr lang="ja-JP" altLang="en-US"/>
               <a:t>第 </a:t>
             </a:r>
             <a:r>
-              <a:rPr kumimoji="1" lang="en-US" altLang="ja-JP"/>
+              <a:rPr lang="en-US" altLang="ja-JP"/>
               <a:t>5 </a:t>
             </a:r>
             <a:r>
-              <a:rPr kumimoji="1" lang="ja-JP" altLang="en-US"/>
+              <a:rPr lang="ja-JP" altLang="en-US"/>
               <a:t>レベル</a:t>
             </a:r>
-          </a:p>
-        </p:txBody>
-      </p:sp>
-      <p:sp>
-        <p:nvSpPr>
-          <p:cNvPr id="4" name="日付プレースホルダー 3">
-            <a:extLst>
-              <a:ext uri="{FF2B5EF4-FFF2-40B4-BE49-F238E27FC236}">
-                <a16:creationId xmlns:a16="http://schemas.microsoft.com/office/drawing/2014/main" id="{5D13A446-B385-D74D-B554-27E0921F3879}"/>
-              </a:ext>
-            </a:extLst>
-          </p:cNvPr>
+            <a:endParaRPr lang="en-US" dirty="0"/>
+          </a:p>
+        </p:txBody>
+      </p:sp>
+      <p:sp>
+        <p:nvSpPr>
+          <p:cNvPr id="4" name="Date Placeholder 3"/>
           <p:cNvSpPr>
             <a:spLocks noGrp="1"/>
           </p:cNvSpPr>
@@ -724,7 +658,7 @@
           <a:p>
             <a:fld id="{8D232F40-33DB-1541-A3A6-02E9A9902D9C}" type="datetimeFigureOut">
               <a:rPr kumimoji="1" lang="ja-JP" altLang="en-US" smtClean="0"/>
-              <a:t>2022/3/30</a:t>
+              <a:t>2022/6/6</a:t>
             </a:fld>
             <a:endParaRPr kumimoji="1" lang="ja-JP" altLang="en-US"/>
           </a:p>
@@ -732,13 +666,7 @@
       </p:sp>
       <p:sp>
         <p:nvSpPr>
-          <p:cNvPr id="5" name="フッター プレースホルダー 4">
-            <a:extLst>
-              <a:ext uri="{FF2B5EF4-FFF2-40B4-BE49-F238E27FC236}">
-                <a16:creationId xmlns:a16="http://schemas.microsoft.com/office/drawing/2014/main" id="{0D3F3FBA-3CBC-FC4A-BBB3-20F0E3F58E13}"/>
-              </a:ext>
-            </a:extLst>
-          </p:cNvPr>
+          <p:cNvPr id="5" name="Footer Placeholder 4"/>
           <p:cNvSpPr>
             <a:spLocks noGrp="1"/>
           </p:cNvSpPr>
@@ -757,13 +685,7 @@
       </p:sp>
       <p:sp>
         <p:nvSpPr>
-          <p:cNvPr id="6" name="スライド番号プレースホルダー 5">
-            <a:extLst>
-              <a:ext uri="{FF2B5EF4-FFF2-40B4-BE49-F238E27FC236}">
-                <a16:creationId xmlns:a16="http://schemas.microsoft.com/office/drawing/2014/main" id="{524CDF40-3C1D-2443-AE32-674006153499}"/>
-              </a:ext>
-            </a:extLst>
-          </p:cNvPr>
+          <p:cNvPr id="6" name="Slide Number Placeholder 5"/>
           <p:cNvSpPr>
             <a:spLocks noGrp="1"/>
           </p:cNvSpPr>
@@ -787,7 +709,7 @@
     </p:spTree>
     <p:extLst>
       <p:ext uri="{BB962C8B-B14F-4D97-AF65-F5344CB8AC3E}">
-        <p14:creationId xmlns:p14="http://schemas.microsoft.com/office/powerpoint/2010/main" val="1689453748"/>
+        <p14:creationId xmlns:p14="http://schemas.microsoft.com/office/powerpoint/2010/main" val="1164997695"/>
       </p:ext>
     </p:extLst>
   </p:cSld>
@@ -816,13 +738,7 @@
       </p:grpSpPr>
       <p:sp>
         <p:nvSpPr>
-          <p:cNvPr id="2" name="タイトル 1">
-            <a:extLst>
-              <a:ext uri="{FF2B5EF4-FFF2-40B4-BE49-F238E27FC236}">
-                <a16:creationId xmlns:a16="http://schemas.microsoft.com/office/drawing/2014/main" id="{1B21915F-43F0-FC44-B9C4-1DE76B05BABF}"/>
-              </a:ext>
-            </a:extLst>
-          </p:cNvPr>
+          <p:cNvPr id="2" name="Title 1"/>
           <p:cNvSpPr>
             <a:spLocks noGrp="1"/>
           </p:cNvSpPr>
@@ -836,21 +752,16 @@
           <a:lstStyle/>
           <a:p>
             <a:r>
-              <a:rPr kumimoji="1" lang="ja-JP" altLang="en-US"/>
+              <a:rPr lang="ja-JP" altLang="en-US"/>
               <a:t>マスター タイトルの書式設定</a:t>
             </a:r>
-          </a:p>
-        </p:txBody>
-      </p:sp>
-      <p:sp>
-        <p:nvSpPr>
-          <p:cNvPr id="3" name="コンテンツ プレースホルダー 2">
-            <a:extLst>
-              <a:ext uri="{FF2B5EF4-FFF2-40B4-BE49-F238E27FC236}">
-                <a16:creationId xmlns:a16="http://schemas.microsoft.com/office/drawing/2014/main" id="{BBC235C7-A9AD-2A4C-AD8F-0C9B08061C31}"/>
-              </a:ext>
-            </a:extLst>
-          </p:cNvPr>
+            <a:endParaRPr lang="en-US" dirty="0"/>
+          </a:p>
+        </p:txBody>
+      </p:sp>
+      <p:sp>
+        <p:nvSpPr>
+          <p:cNvPr id="3" name="Content Placeholder 2"/>
           <p:cNvSpPr>
             <a:spLocks noGrp="1"/>
           </p:cNvSpPr>
@@ -865,81 +776,76 @@
           <a:p>
             <a:pPr lvl="0"/>
             <a:r>
-              <a:rPr kumimoji="1" lang="ja-JP" altLang="en-US"/>
+              <a:rPr lang="ja-JP" altLang="en-US"/>
               <a:t>マスター テキストの書式設定</a:t>
             </a:r>
           </a:p>
           <a:p>
             <a:pPr lvl="1"/>
             <a:r>
-              <a:rPr kumimoji="1" lang="ja-JP" altLang="en-US"/>
+              <a:rPr lang="ja-JP" altLang="en-US"/>
               <a:t>第 </a:t>
             </a:r>
             <a:r>
-              <a:rPr kumimoji="1" lang="en-US" altLang="ja-JP"/>
+              <a:rPr lang="en-US" altLang="ja-JP"/>
               <a:t>2 </a:t>
             </a:r>
             <a:r>
-              <a:rPr kumimoji="1" lang="ja-JP" altLang="en-US"/>
+              <a:rPr lang="ja-JP" altLang="en-US"/>
               <a:t>レベル</a:t>
             </a:r>
           </a:p>
           <a:p>
             <a:pPr lvl="2"/>
             <a:r>
-              <a:rPr kumimoji="1" lang="ja-JP" altLang="en-US"/>
+              <a:rPr lang="ja-JP" altLang="en-US"/>
               <a:t>第 </a:t>
             </a:r>
             <a:r>
-              <a:rPr kumimoji="1" lang="en-US" altLang="ja-JP"/>
+              <a:rPr lang="en-US" altLang="ja-JP"/>
               <a:t>3 </a:t>
             </a:r>
             <a:r>
-              <a:rPr kumimoji="1" lang="ja-JP" altLang="en-US"/>
+              <a:rPr lang="ja-JP" altLang="en-US"/>
               <a:t>レベル</a:t>
             </a:r>
           </a:p>
           <a:p>
             <a:pPr lvl="3"/>
             <a:r>
-              <a:rPr kumimoji="1" lang="ja-JP" altLang="en-US"/>
+              <a:rPr lang="ja-JP" altLang="en-US"/>
               <a:t>第 </a:t>
             </a:r>
             <a:r>
-              <a:rPr kumimoji="1" lang="en-US" altLang="ja-JP"/>
+              <a:rPr lang="en-US" altLang="ja-JP"/>
               <a:t>4 </a:t>
             </a:r>
             <a:r>
-              <a:rPr kumimoji="1" lang="ja-JP" altLang="en-US"/>
+              <a:rPr lang="ja-JP" altLang="en-US"/>
               <a:t>レベル</a:t>
             </a:r>
           </a:p>
           <a:p>
             <a:pPr lvl="4"/>
             <a:r>
-              <a:rPr kumimoji="1" lang="ja-JP" altLang="en-US"/>
+              <a:rPr lang="ja-JP" altLang="en-US"/>
               <a:t>第 </a:t>
             </a:r>
             <a:r>
-              <a:rPr kumimoji="1" lang="en-US" altLang="ja-JP"/>
+              <a:rPr lang="en-US" altLang="ja-JP"/>
               <a:t>5 </a:t>
             </a:r>
             <a:r>
-              <a:rPr kumimoji="1" lang="ja-JP" altLang="en-US"/>
+              <a:rPr lang="ja-JP" altLang="en-US"/>
               <a:t>レベル</a:t>
             </a:r>
-          </a:p>
-        </p:txBody>
-      </p:sp>
-      <p:sp>
-        <p:nvSpPr>
-          <p:cNvPr id="4" name="日付プレースホルダー 3">
-            <a:extLst>
-              <a:ext uri="{FF2B5EF4-FFF2-40B4-BE49-F238E27FC236}">
-                <a16:creationId xmlns:a16="http://schemas.microsoft.com/office/drawing/2014/main" id="{79A301F3-4AB3-7F4F-8211-CE49F5EDA5C5}"/>
-              </a:ext>
-            </a:extLst>
-          </p:cNvPr>
+            <a:endParaRPr lang="en-US" dirty="0"/>
+          </a:p>
+        </p:txBody>
+      </p:sp>
+      <p:sp>
+        <p:nvSpPr>
+          <p:cNvPr id="4" name="Date Placeholder 3"/>
           <p:cNvSpPr>
             <a:spLocks noGrp="1"/>
           </p:cNvSpPr>
@@ -954,7 +860,7 @@
           <a:p>
             <a:fld id="{8D232F40-33DB-1541-A3A6-02E9A9902D9C}" type="datetimeFigureOut">
               <a:rPr kumimoji="1" lang="ja-JP" altLang="en-US" smtClean="0"/>
-              <a:t>2022/3/30</a:t>
+              <a:t>2022/6/6</a:t>
             </a:fld>
             <a:endParaRPr kumimoji="1" lang="ja-JP" altLang="en-US"/>
           </a:p>
@@ -962,13 +868,7 @@
       </p:sp>
       <p:sp>
         <p:nvSpPr>
-          <p:cNvPr id="5" name="フッター プレースホルダー 4">
-            <a:extLst>
-              <a:ext uri="{FF2B5EF4-FFF2-40B4-BE49-F238E27FC236}">
-                <a16:creationId xmlns:a16="http://schemas.microsoft.com/office/drawing/2014/main" id="{A476FC23-473F-3E4F-AD8B-0D6684944A8E}"/>
-              </a:ext>
-            </a:extLst>
-          </p:cNvPr>
+          <p:cNvPr id="5" name="Footer Placeholder 4"/>
           <p:cNvSpPr>
             <a:spLocks noGrp="1"/>
           </p:cNvSpPr>
@@ -987,13 +887,7 @@
       </p:sp>
       <p:sp>
         <p:nvSpPr>
-          <p:cNvPr id="6" name="スライド番号プレースホルダー 5">
-            <a:extLst>
-              <a:ext uri="{FF2B5EF4-FFF2-40B4-BE49-F238E27FC236}">
-                <a16:creationId xmlns:a16="http://schemas.microsoft.com/office/drawing/2014/main" id="{2DEE3F5C-F07B-EC4C-880F-AD675DC05D75}"/>
-              </a:ext>
-            </a:extLst>
-          </p:cNvPr>
+          <p:cNvPr id="6" name="Slide Number Placeholder 5"/>
           <p:cNvSpPr>
             <a:spLocks noGrp="1"/>
           </p:cNvSpPr>
@@ -1017,7 +911,7 @@
     </p:spTree>
     <p:extLst>
       <p:ext uri="{BB962C8B-B14F-4D97-AF65-F5344CB8AC3E}">
-        <p14:creationId xmlns:p14="http://schemas.microsoft.com/office/powerpoint/2010/main" val="3852610532"/>
+        <p14:creationId xmlns:p14="http://schemas.microsoft.com/office/powerpoint/2010/main" val="1890706796"/>
       </p:ext>
     </p:extLst>
   </p:cSld>
@@ -1046,13 +940,7 @@
       </p:grpSpPr>
       <p:sp>
         <p:nvSpPr>
-          <p:cNvPr id="2" name="タイトル 1">
-            <a:extLst>
-              <a:ext uri="{FF2B5EF4-FFF2-40B4-BE49-F238E27FC236}">
-                <a16:creationId xmlns:a16="http://schemas.microsoft.com/office/drawing/2014/main" id="{8C0E7AE4-DCE2-FC4A-810A-8F60AE0A76CD}"/>
-              </a:ext>
-            </a:extLst>
-          </p:cNvPr>
+          <p:cNvPr id="2" name="Title 1"/>
           <p:cNvSpPr>
             <a:spLocks noGrp="1"/>
           </p:cNvSpPr>
@@ -1062,34 +950,29 @@
         </p:nvSpPr>
         <p:spPr>
           <a:xfrm>
-            <a:off x="831850" y="1709738"/>
-            <a:ext cx="10515600" cy="2852737"/>
+            <a:off x="1039704" y="1995091"/>
+            <a:ext cx="13143131" cy="3328854"/>
           </a:xfrm>
         </p:spPr>
         <p:txBody>
           <a:bodyPr anchor="b"/>
           <a:lstStyle>
             <a:lvl1pPr>
-              <a:defRPr sz="6000"/>
+              <a:defRPr sz="7001"/>
             </a:lvl1pPr>
           </a:lstStyle>
           <a:p>
             <a:r>
-              <a:rPr kumimoji="1" lang="ja-JP" altLang="en-US"/>
+              <a:rPr lang="ja-JP" altLang="en-US"/>
               <a:t>マスター タイトルの書式設定</a:t>
             </a:r>
-          </a:p>
-        </p:txBody>
-      </p:sp>
-      <p:sp>
-        <p:nvSpPr>
-          <p:cNvPr id="3" name="テキスト プレースホルダー 2">
-            <a:extLst>
-              <a:ext uri="{FF2B5EF4-FFF2-40B4-BE49-F238E27FC236}">
-                <a16:creationId xmlns:a16="http://schemas.microsoft.com/office/drawing/2014/main" id="{6C5C839B-0268-CE41-B7B6-689192D2D95E}"/>
-              </a:ext>
-            </a:extLst>
-          </p:cNvPr>
+            <a:endParaRPr lang="en-US" dirty="0"/>
+          </a:p>
+        </p:txBody>
+      </p:sp>
+      <p:sp>
+        <p:nvSpPr>
+          <p:cNvPr id="3" name="Text Placeholder 2"/>
           <p:cNvSpPr>
             <a:spLocks noGrp="1"/>
           </p:cNvSpPr>
@@ -1099,8 +982,8 @@
         </p:nvSpPr>
         <p:spPr>
           <a:xfrm>
-            <a:off x="831850" y="4589463"/>
-            <a:ext cx="10515600" cy="1500187"/>
+            <a:off x="1039704" y="5355437"/>
+            <a:ext cx="13143131" cy="1750566"/>
           </a:xfrm>
         </p:spPr>
         <p:txBody>
@@ -1108,7 +991,7 @@
           <a:lstStyle>
             <a:lvl1pPr marL="0" indent="0">
               <a:buNone/>
-              <a:defRPr sz="2400">
+              <a:defRPr sz="2801">
                 <a:solidFill>
                   <a:schemeClr val="tx1">
                     <a:tint val="75000"/>
@@ -1116,9 +999,9 @@
                 </a:solidFill>
               </a:defRPr>
             </a:lvl1pPr>
-            <a:lvl2pPr marL="457200" indent="0">
-              <a:buNone/>
-              <a:defRPr sz="2000">
+            <a:lvl2pPr marL="533507" indent="0">
+              <a:buNone/>
+              <a:defRPr sz="2334">
                 <a:solidFill>
                   <a:schemeClr val="tx1">
                     <a:tint val="75000"/>
@@ -1126,9 +1009,9 @@
                 </a:solidFill>
               </a:defRPr>
             </a:lvl2pPr>
-            <a:lvl3pPr marL="914400" indent="0">
-              <a:buNone/>
-              <a:defRPr sz="1800">
+            <a:lvl3pPr marL="1067013" indent="0">
+              <a:buNone/>
+              <a:defRPr sz="2100">
                 <a:solidFill>
                   <a:schemeClr val="tx1">
                     <a:tint val="75000"/>
@@ -1136,9 +1019,9 @@
                 </a:solidFill>
               </a:defRPr>
             </a:lvl3pPr>
-            <a:lvl4pPr marL="1371600" indent="0">
-              <a:buNone/>
-              <a:defRPr sz="1600">
+            <a:lvl4pPr marL="1600520" indent="0">
+              <a:buNone/>
+              <a:defRPr sz="1867">
                 <a:solidFill>
                   <a:schemeClr val="tx1">
                     <a:tint val="75000"/>
@@ -1146,9 +1029,9 @@
                 </a:solidFill>
               </a:defRPr>
             </a:lvl4pPr>
-            <a:lvl5pPr marL="1828800" indent="0">
-              <a:buNone/>
-              <a:defRPr sz="1600">
+            <a:lvl5pPr marL="2134027" indent="0">
+              <a:buNone/>
+              <a:defRPr sz="1867">
                 <a:solidFill>
                   <a:schemeClr val="tx1">
                     <a:tint val="75000"/>
@@ -1156,9 +1039,9 @@
                 </a:solidFill>
               </a:defRPr>
             </a:lvl5pPr>
-            <a:lvl6pPr marL="2286000" indent="0">
-              <a:buNone/>
-              <a:defRPr sz="1600">
+            <a:lvl6pPr marL="2667533" indent="0">
+              <a:buNone/>
+              <a:defRPr sz="1867">
                 <a:solidFill>
                   <a:schemeClr val="tx1">
                     <a:tint val="75000"/>
@@ -1166,9 +1049,9 @@
                 </a:solidFill>
               </a:defRPr>
             </a:lvl6pPr>
-            <a:lvl7pPr marL="2743200" indent="0">
-              <a:buNone/>
-              <a:defRPr sz="1600">
+            <a:lvl7pPr marL="3201040" indent="0">
+              <a:buNone/>
+              <a:defRPr sz="1867">
                 <a:solidFill>
                   <a:schemeClr val="tx1">
                     <a:tint val="75000"/>
@@ -1176,9 +1059,9 @@
                 </a:solidFill>
               </a:defRPr>
             </a:lvl7pPr>
-            <a:lvl8pPr marL="3200400" indent="0">
-              <a:buNone/>
-              <a:defRPr sz="1600">
+            <a:lvl8pPr marL="3734547" indent="0">
+              <a:buNone/>
+              <a:defRPr sz="1867">
                 <a:solidFill>
                   <a:schemeClr val="tx1">
                     <a:tint val="75000"/>
@@ -1186,9 +1069,9 @@
                 </a:solidFill>
               </a:defRPr>
             </a:lvl8pPr>
-            <a:lvl9pPr marL="3657600" indent="0">
-              <a:buNone/>
-              <a:defRPr sz="1600">
+            <a:lvl9pPr marL="4268053" indent="0">
+              <a:buNone/>
+              <a:defRPr sz="1867">
                 <a:solidFill>
                   <a:schemeClr val="tx1">
                     <a:tint val="75000"/>
@@ -1200,7 +1083,7 @@
           <a:p>
             <a:pPr lvl="0"/>
             <a:r>
-              <a:rPr kumimoji="1" lang="ja-JP" altLang="en-US"/>
+              <a:rPr lang="ja-JP" altLang="en-US"/>
               <a:t>マスター テキストの書式設定</a:t>
             </a:r>
           </a:p>
@@ -1208,13 +1091,7 @@
       </p:sp>
       <p:sp>
         <p:nvSpPr>
-          <p:cNvPr id="4" name="日付プレースホルダー 3">
-            <a:extLst>
-              <a:ext uri="{FF2B5EF4-FFF2-40B4-BE49-F238E27FC236}">
-                <a16:creationId xmlns:a16="http://schemas.microsoft.com/office/drawing/2014/main" id="{598DD1F0-1C49-8640-9964-DEF98C67E722}"/>
-              </a:ext>
-            </a:extLst>
-          </p:cNvPr>
+          <p:cNvPr id="4" name="Date Placeholder 3"/>
           <p:cNvSpPr>
             <a:spLocks noGrp="1"/>
           </p:cNvSpPr>
@@ -1229,7 +1106,7 @@
           <a:p>
             <a:fld id="{8D232F40-33DB-1541-A3A6-02E9A9902D9C}" type="datetimeFigureOut">
               <a:rPr kumimoji="1" lang="ja-JP" altLang="en-US" smtClean="0"/>
-              <a:t>2022/3/30</a:t>
+              <a:t>2022/6/6</a:t>
             </a:fld>
             <a:endParaRPr kumimoji="1" lang="ja-JP" altLang="en-US"/>
           </a:p>
@@ -1237,13 +1114,7 @@
       </p:sp>
       <p:sp>
         <p:nvSpPr>
-          <p:cNvPr id="5" name="フッター プレースホルダー 4">
-            <a:extLst>
-              <a:ext uri="{FF2B5EF4-FFF2-40B4-BE49-F238E27FC236}">
-                <a16:creationId xmlns:a16="http://schemas.microsoft.com/office/drawing/2014/main" id="{E35E20B9-EA0D-C445-8A34-FE8B923CBABD}"/>
-              </a:ext>
-            </a:extLst>
-          </p:cNvPr>
+          <p:cNvPr id="5" name="Footer Placeholder 4"/>
           <p:cNvSpPr>
             <a:spLocks noGrp="1"/>
           </p:cNvSpPr>
@@ -1262,13 +1133,7 @@
       </p:sp>
       <p:sp>
         <p:nvSpPr>
-          <p:cNvPr id="6" name="スライド番号プレースホルダー 5">
-            <a:extLst>
-              <a:ext uri="{FF2B5EF4-FFF2-40B4-BE49-F238E27FC236}">
-                <a16:creationId xmlns:a16="http://schemas.microsoft.com/office/drawing/2014/main" id="{4F8F8D5D-558B-D84B-96CE-1E3FB5B114F4}"/>
-              </a:ext>
-            </a:extLst>
-          </p:cNvPr>
+          <p:cNvPr id="6" name="Slide Number Placeholder 5"/>
           <p:cNvSpPr>
             <a:spLocks noGrp="1"/>
           </p:cNvSpPr>
@@ -1292,7 +1157,7 @@
     </p:spTree>
     <p:extLst>
       <p:ext uri="{BB962C8B-B14F-4D97-AF65-F5344CB8AC3E}">
-        <p14:creationId xmlns:p14="http://schemas.microsoft.com/office/powerpoint/2010/main" val="3910928676"/>
+        <p14:creationId xmlns:p14="http://schemas.microsoft.com/office/powerpoint/2010/main" val="3845010099"/>
       </p:ext>
     </p:extLst>
   </p:cSld>
@@ -1321,13 +1186,7 @@
       </p:grpSpPr>
       <p:sp>
         <p:nvSpPr>
-          <p:cNvPr id="2" name="タイトル 1">
-            <a:extLst>
-              <a:ext uri="{FF2B5EF4-FFF2-40B4-BE49-F238E27FC236}">
-                <a16:creationId xmlns:a16="http://schemas.microsoft.com/office/drawing/2014/main" id="{EB08FE91-5ADC-D04C-B076-56D81342053D}"/>
-              </a:ext>
-            </a:extLst>
-          </p:cNvPr>
+          <p:cNvPr id="2" name="Title 1"/>
           <p:cNvSpPr>
             <a:spLocks noGrp="1"/>
           </p:cNvSpPr>
@@ -1341,21 +1200,16 @@
           <a:lstStyle/>
           <a:p>
             <a:r>
-              <a:rPr kumimoji="1" lang="ja-JP" altLang="en-US"/>
+              <a:rPr lang="ja-JP" altLang="en-US"/>
               <a:t>マスター タイトルの書式設定</a:t>
             </a:r>
-          </a:p>
-        </p:txBody>
-      </p:sp>
-      <p:sp>
-        <p:nvSpPr>
-          <p:cNvPr id="3" name="コンテンツ プレースホルダー 2">
-            <a:extLst>
-              <a:ext uri="{FF2B5EF4-FFF2-40B4-BE49-F238E27FC236}">
-                <a16:creationId xmlns:a16="http://schemas.microsoft.com/office/drawing/2014/main" id="{7CD9A64F-51E3-4E4C-B65D-54AB914C16E1}"/>
-              </a:ext>
-            </a:extLst>
-          </p:cNvPr>
+            <a:endParaRPr lang="en-US" dirty="0"/>
+          </a:p>
+        </p:txBody>
+      </p:sp>
+      <p:sp>
+        <p:nvSpPr>
+          <p:cNvPr id="3" name="Content Placeholder 2"/>
           <p:cNvSpPr>
             <a:spLocks noGrp="1"/>
           </p:cNvSpPr>
@@ -1365,8 +1219,8 @@
         </p:nvSpPr>
         <p:spPr>
           <a:xfrm>
-            <a:off x="838200" y="1825625"/>
-            <a:ext cx="5181600" cy="4351338"/>
+            <a:off x="1047641" y="2130318"/>
+            <a:ext cx="6476326" cy="5077569"/>
           </a:xfrm>
         </p:spPr>
         <p:txBody>
@@ -1375,81 +1229,76 @@
           <a:p>
             <a:pPr lvl="0"/>
             <a:r>
-              <a:rPr kumimoji="1" lang="ja-JP" altLang="en-US"/>
+              <a:rPr lang="ja-JP" altLang="en-US"/>
               <a:t>マスター テキストの書式設定</a:t>
             </a:r>
           </a:p>
           <a:p>
             <a:pPr lvl="1"/>
             <a:r>
-              <a:rPr kumimoji="1" lang="ja-JP" altLang="en-US"/>
+              <a:rPr lang="ja-JP" altLang="en-US"/>
               <a:t>第 </a:t>
             </a:r>
             <a:r>
-              <a:rPr kumimoji="1" lang="en-US" altLang="ja-JP"/>
+              <a:rPr lang="en-US" altLang="ja-JP"/>
               <a:t>2 </a:t>
             </a:r>
             <a:r>
-              <a:rPr kumimoji="1" lang="ja-JP" altLang="en-US"/>
+              <a:rPr lang="ja-JP" altLang="en-US"/>
               <a:t>レベル</a:t>
             </a:r>
           </a:p>
           <a:p>
             <a:pPr lvl="2"/>
             <a:r>
-              <a:rPr kumimoji="1" lang="ja-JP" altLang="en-US"/>
+              <a:rPr lang="ja-JP" altLang="en-US"/>
               <a:t>第 </a:t>
             </a:r>
             <a:r>
-              <a:rPr kumimoji="1" lang="en-US" altLang="ja-JP"/>
+              <a:rPr lang="en-US" altLang="ja-JP"/>
               <a:t>3 </a:t>
             </a:r>
             <a:r>
-              <a:rPr kumimoji="1" lang="ja-JP" altLang="en-US"/>
+              <a:rPr lang="ja-JP" altLang="en-US"/>
               <a:t>レベル</a:t>
             </a:r>
           </a:p>
           <a:p>
             <a:pPr lvl="3"/>
             <a:r>
-              <a:rPr kumimoji="1" lang="ja-JP" altLang="en-US"/>
+              <a:rPr lang="ja-JP" altLang="en-US"/>
               <a:t>第 </a:t>
             </a:r>
             <a:r>
-              <a:rPr kumimoji="1" lang="en-US" altLang="ja-JP"/>
+              <a:rPr lang="en-US" altLang="ja-JP"/>
               <a:t>4 </a:t>
             </a:r>
             <a:r>
-              <a:rPr kumimoji="1" lang="ja-JP" altLang="en-US"/>
+              <a:rPr lang="ja-JP" altLang="en-US"/>
               <a:t>レベル</a:t>
             </a:r>
           </a:p>
           <a:p>
             <a:pPr lvl="4"/>
             <a:r>
-              <a:rPr kumimoji="1" lang="ja-JP" altLang="en-US"/>
+              <a:rPr lang="ja-JP" altLang="en-US"/>
               <a:t>第 </a:t>
             </a:r>
             <a:r>
-              <a:rPr kumimoji="1" lang="en-US" altLang="ja-JP"/>
+              <a:rPr lang="en-US" altLang="ja-JP"/>
               <a:t>5 </a:t>
             </a:r>
             <a:r>
-              <a:rPr kumimoji="1" lang="ja-JP" altLang="en-US"/>
+              <a:rPr lang="ja-JP" altLang="en-US"/>
               <a:t>レベル</a:t>
             </a:r>
-          </a:p>
-        </p:txBody>
-      </p:sp>
-      <p:sp>
-        <p:nvSpPr>
-          <p:cNvPr id="4" name="コンテンツ プレースホルダー 3">
-            <a:extLst>
-              <a:ext uri="{FF2B5EF4-FFF2-40B4-BE49-F238E27FC236}">
-                <a16:creationId xmlns:a16="http://schemas.microsoft.com/office/drawing/2014/main" id="{E88EAB2B-E6FF-1E4E-9F3D-EF1A0A271942}"/>
-              </a:ext>
-            </a:extLst>
-          </p:cNvPr>
+            <a:endParaRPr lang="en-US" dirty="0"/>
+          </a:p>
+        </p:txBody>
+      </p:sp>
+      <p:sp>
+        <p:nvSpPr>
+          <p:cNvPr id="4" name="Content Placeholder 3"/>
           <p:cNvSpPr>
             <a:spLocks noGrp="1"/>
           </p:cNvSpPr>
@@ -1459,8 +1308,8 @@
         </p:nvSpPr>
         <p:spPr>
           <a:xfrm>
-            <a:off x="6172200" y="1825625"/>
-            <a:ext cx="5181600" cy="4351338"/>
+            <a:off x="7714446" y="2130318"/>
+            <a:ext cx="6476326" cy="5077569"/>
           </a:xfrm>
         </p:spPr>
         <p:txBody>
@@ -1469,81 +1318,76 @@
           <a:p>
             <a:pPr lvl="0"/>
             <a:r>
-              <a:rPr kumimoji="1" lang="ja-JP" altLang="en-US"/>
+              <a:rPr lang="ja-JP" altLang="en-US"/>
               <a:t>マスター テキストの書式設定</a:t>
             </a:r>
           </a:p>
           <a:p>
             <a:pPr lvl="1"/>
             <a:r>
-              <a:rPr kumimoji="1" lang="ja-JP" altLang="en-US"/>
+              <a:rPr lang="ja-JP" altLang="en-US"/>
               <a:t>第 </a:t>
             </a:r>
             <a:r>
-              <a:rPr kumimoji="1" lang="en-US" altLang="ja-JP"/>
+              <a:rPr lang="en-US" altLang="ja-JP"/>
               <a:t>2 </a:t>
             </a:r>
             <a:r>
-              <a:rPr kumimoji="1" lang="ja-JP" altLang="en-US"/>
+              <a:rPr lang="ja-JP" altLang="en-US"/>
               <a:t>レベル</a:t>
             </a:r>
           </a:p>
           <a:p>
             <a:pPr lvl="2"/>
             <a:r>
-              <a:rPr kumimoji="1" lang="ja-JP" altLang="en-US"/>
+              <a:rPr lang="ja-JP" altLang="en-US"/>
               <a:t>第 </a:t>
             </a:r>
             <a:r>
-              <a:rPr kumimoji="1" lang="en-US" altLang="ja-JP"/>
+              <a:rPr lang="en-US" altLang="ja-JP"/>
               <a:t>3 </a:t>
             </a:r>
             <a:r>
-              <a:rPr kumimoji="1" lang="ja-JP" altLang="en-US"/>
+              <a:rPr lang="ja-JP" altLang="en-US"/>
               <a:t>レベル</a:t>
             </a:r>
           </a:p>
           <a:p>
             <a:pPr lvl="3"/>
             <a:r>
-              <a:rPr kumimoji="1" lang="ja-JP" altLang="en-US"/>
+              <a:rPr lang="ja-JP" altLang="en-US"/>
               <a:t>第 </a:t>
             </a:r>
             <a:r>
-              <a:rPr kumimoji="1" lang="en-US" altLang="ja-JP"/>
+              <a:rPr lang="en-US" altLang="ja-JP"/>
               <a:t>4 </a:t>
             </a:r>
             <a:r>
-              <a:rPr kumimoji="1" lang="ja-JP" altLang="en-US"/>
+              <a:rPr lang="ja-JP" altLang="en-US"/>
               <a:t>レベル</a:t>
             </a:r>
           </a:p>
           <a:p>
             <a:pPr lvl="4"/>
             <a:r>
-              <a:rPr kumimoji="1" lang="ja-JP" altLang="en-US"/>
+              <a:rPr lang="ja-JP" altLang="en-US"/>
               <a:t>第 </a:t>
             </a:r>
             <a:r>
-              <a:rPr kumimoji="1" lang="en-US" altLang="ja-JP"/>
+              <a:rPr lang="en-US" altLang="ja-JP"/>
               <a:t>5 </a:t>
             </a:r>
             <a:r>
-              <a:rPr kumimoji="1" lang="ja-JP" altLang="en-US"/>
+              <a:rPr lang="ja-JP" altLang="en-US"/>
               <a:t>レベル</a:t>
             </a:r>
-          </a:p>
-        </p:txBody>
-      </p:sp>
-      <p:sp>
-        <p:nvSpPr>
-          <p:cNvPr id="5" name="日付プレースホルダー 4">
-            <a:extLst>
-              <a:ext uri="{FF2B5EF4-FFF2-40B4-BE49-F238E27FC236}">
-                <a16:creationId xmlns:a16="http://schemas.microsoft.com/office/drawing/2014/main" id="{8DA374E1-B428-1947-B271-6C3FB88B37ED}"/>
-              </a:ext>
-            </a:extLst>
-          </p:cNvPr>
+            <a:endParaRPr lang="en-US" dirty="0"/>
+          </a:p>
+        </p:txBody>
+      </p:sp>
+      <p:sp>
+        <p:nvSpPr>
+          <p:cNvPr id="5" name="Date Placeholder 4"/>
           <p:cNvSpPr>
             <a:spLocks noGrp="1"/>
           </p:cNvSpPr>
@@ -1558,7 +1402,7 @@
           <a:p>
             <a:fld id="{8D232F40-33DB-1541-A3A6-02E9A9902D9C}" type="datetimeFigureOut">
               <a:rPr kumimoji="1" lang="ja-JP" altLang="en-US" smtClean="0"/>
-              <a:t>2022/3/30</a:t>
+              <a:t>2022/6/6</a:t>
             </a:fld>
             <a:endParaRPr kumimoji="1" lang="ja-JP" altLang="en-US"/>
           </a:p>
@@ -1566,13 +1410,7 @@
       </p:sp>
       <p:sp>
         <p:nvSpPr>
-          <p:cNvPr id="6" name="フッター プレースホルダー 5">
-            <a:extLst>
-              <a:ext uri="{FF2B5EF4-FFF2-40B4-BE49-F238E27FC236}">
-                <a16:creationId xmlns:a16="http://schemas.microsoft.com/office/drawing/2014/main" id="{6F52D9A2-B77D-DA45-8D46-116E61C11273}"/>
-              </a:ext>
-            </a:extLst>
-          </p:cNvPr>
+          <p:cNvPr id="6" name="Footer Placeholder 5"/>
           <p:cNvSpPr>
             <a:spLocks noGrp="1"/>
           </p:cNvSpPr>
@@ -1591,13 +1429,7 @@
       </p:sp>
       <p:sp>
         <p:nvSpPr>
-          <p:cNvPr id="7" name="スライド番号プレースホルダー 6">
-            <a:extLst>
-              <a:ext uri="{FF2B5EF4-FFF2-40B4-BE49-F238E27FC236}">
-                <a16:creationId xmlns:a16="http://schemas.microsoft.com/office/drawing/2014/main" id="{29BE5D6A-51C1-1B41-B1E6-08EBB3BD283F}"/>
-              </a:ext>
-            </a:extLst>
-          </p:cNvPr>
+          <p:cNvPr id="7" name="Slide Number Placeholder 6"/>
           <p:cNvSpPr>
             <a:spLocks noGrp="1"/>
           </p:cNvSpPr>
@@ -1621,7 +1453,7 @@
     </p:spTree>
     <p:extLst>
       <p:ext uri="{BB962C8B-B14F-4D97-AF65-F5344CB8AC3E}">
-        <p14:creationId xmlns:p14="http://schemas.microsoft.com/office/powerpoint/2010/main" val="75558019"/>
+        <p14:creationId xmlns:p14="http://schemas.microsoft.com/office/powerpoint/2010/main" val="736281221"/>
       </p:ext>
     </p:extLst>
   </p:cSld>
@@ -1650,13 +1482,7 @@
       </p:grpSpPr>
       <p:sp>
         <p:nvSpPr>
-          <p:cNvPr id="2" name="タイトル 1">
-            <a:extLst>
-              <a:ext uri="{FF2B5EF4-FFF2-40B4-BE49-F238E27FC236}">
-                <a16:creationId xmlns:a16="http://schemas.microsoft.com/office/drawing/2014/main" id="{2393A09D-FA21-A04D-B642-69E275C87F58}"/>
-              </a:ext>
-            </a:extLst>
-          </p:cNvPr>
+          <p:cNvPr id="2" name="Title 1"/>
           <p:cNvSpPr>
             <a:spLocks noGrp="1"/>
           </p:cNvSpPr>
@@ -1666,8 +1492,8 @@
         </p:nvSpPr>
         <p:spPr>
           <a:xfrm>
-            <a:off x="839788" y="365125"/>
-            <a:ext cx="10515600" cy="1325563"/>
+            <a:off x="1049626" y="426064"/>
+            <a:ext cx="13143131" cy="1546797"/>
           </a:xfrm>
         </p:spPr>
         <p:txBody>
@@ -1675,21 +1501,16 @@
           <a:lstStyle/>
           <a:p>
             <a:r>
-              <a:rPr kumimoji="1" lang="ja-JP" altLang="en-US"/>
+              <a:rPr lang="ja-JP" altLang="en-US"/>
               <a:t>マスター タイトルの書式設定</a:t>
             </a:r>
-          </a:p>
-        </p:txBody>
-      </p:sp>
-      <p:sp>
-        <p:nvSpPr>
-          <p:cNvPr id="3" name="テキスト プレースホルダー 2">
-            <a:extLst>
-              <a:ext uri="{FF2B5EF4-FFF2-40B4-BE49-F238E27FC236}">
-                <a16:creationId xmlns:a16="http://schemas.microsoft.com/office/drawing/2014/main" id="{00572647-59FB-2B4A-9B23-194B32C3B69B}"/>
-              </a:ext>
-            </a:extLst>
-          </p:cNvPr>
+            <a:endParaRPr lang="en-US" dirty="0"/>
+          </a:p>
+        </p:txBody>
+      </p:sp>
+      <p:sp>
+        <p:nvSpPr>
+          <p:cNvPr id="3" name="Text Placeholder 2"/>
           <p:cNvSpPr>
             <a:spLocks noGrp="1"/>
           </p:cNvSpPr>
@@ -1699,8 +1520,8 @@
         </p:nvSpPr>
         <p:spPr>
           <a:xfrm>
-            <a:off x="839788" y="1681163"/>
-            <a:ext cx="5157787" cy="823912"/>
+            <a:off x="1049626" y="1961746"/>
+            <a:ext cx="6446562" cy="961421"/>
           </a:xfrm>
         </p:spPr>
         <p:txBody>
@@ -1708,45 +1529,45 @@
           <a:lstStyle>
             <a:lvl1pPr marL="0" indent="0">
               <a:buNone/>
-              <a:defRPr sz="2400" b="1"/>
+              <a:defRPr sz="2801" b="1"/>
             </a:lvl1pPr>
-            <a:lvl2pPr marL="457200" indent="0">
-              <a:buNone/>
-              <a:defRPr sz="2000" b="1"/>
+            <a:lvl2pPr marL="533507" indent="0">
+              <a:buNone/>
+              <a:defRPr sz="2334" b="1"/>
             </a:lvl2pPr>
-            <a:lvl3pPr marL="914400" indent="0">
-              <a:buNone/>
-              <a:defRPr sz="1800" b="1"/>
+            <a:lvl3pPr marL="1067013" indent="0">
+              <a:buNone/>
+              <a:defRPr sz="2100" b="1"/>
             </a:lvl3pPr>
-            <a:lvl4pPr marL="1371600" indent="0">
-              <a:buNone/>
-              <a:defRPr sz="1600" b="1"/>
+            <a:lvl4pPr marL="1600520" indent="0">
+              <a:buNone/>
+              <a:defRPr sz="1867" b="1"/>
             </a:lvl4pPr>
-            <a:lvl5pPr marL="1828800" indent="0">
-              <a:buNone/>
-              <a:defRPr sz="1600" b="1"/>
+            <a:lvl5pPr marL="2134027" indent="0">
+              <a:buNone/>
+              <a:defRPr sz="1867" b="1"/>
             </a:lvl5pPr>
-            <a:lvl6pPr marL="2286000" indent="0">
-              <a:buNone/>
-              <a:defRPr sz="1600" b="1"/>
+            <a:lvl6pPr marL="2667533" indent="0">
+              <a:buNone/>
+              <a:defRPr sz="1867" b="1"/>
             </a:lvl6pPr>
-            <a:lvl7pPr marL="2743200" indent="0">
-              <a:buNone/>
-              <a:defRPr sz="1600" b="1"/>
+            <a:lvl7pPr marL="3201040" indent="0">
+              <a:buNone/>
+              <a:defRPr sz="1867" b="1"/>
             </a:lvl7pPr>
-            <a:lvl8pPr marL="3200400" indent="0">
-              <a:buNone/>
-              <a:defRPr sz="1600" b="1"/>
+            <a:lvl8pPr marL="3734547" indent="0">
+              <a:buNone/>
+              <a:defRPr sz="1867" b="1"/>
             </a:lvl8pPr>
-            <a:lvl9pPr marL="3657600" indent="0">
-              <a:buNone/>
-              <a:defRPr sz="1600" b="1"/>
+            <a:lvl9pPr marL="4268053" indent="0">
+              <a:buNone/>
+              <a:defRPr sz="1867" b="1"/>
             </a:lvl9pPr>
           </a:lstStyle>
           <a:p>
             <a:pPr lvl="0"/>
             <a:r>
-              <a:rPr kumimoji="1" lang="ja-JP" altLang="en-US"/>
+              <a:rPr lang="ja-JP" altLang="en-US"/>
               <a:t>マスター テキストの書式設定</a:t>
             </a:r>
           </a:p>
@@ -1754,13 +1575,7 @@
       </p:sp>
       <p:sp>
         <p:nvSpPr>
-          <p:cNvPr id="4" name="コンテンツ プレースホルダー 3">
-            <a:extLst>
-              <a:ext uri="{FF2B5EF4-FFF2-40B4-BE49-F238E27FC236}">
-                <a16:creationId xmlns:a16="http://schemas.microsoft.com/office/drawing/2014/main" id="{D472B172-FE54-FA4F-A1F7-640A9AA6E80A}"/>
-              </a:ext>
-            </a:extLst>
-          </p:cNvPr>
+          <p:cNvPr id="4" name="Content Placeholder 3"/>
           <p:cNvSpPr>
             <a:spLocks noGrp="1"/>
           </p:cNvSpPr>
@@ -1770,8 +1585,8 @@
         </p:nvSpPr>
         <p:spPr>
           <a:xfrm>
-            <a:off x="839788" y="2505075"/>
-            <a:ext cx="5157787" cy="3684588"/>
+            <a:off x="1049626" y="2923168"/>
+            <a:ext cx="6446562" cy="4299539"/>
           </a:xfrm>
         </p:spPr>
         <p:txBody>
@@ -1780,81 +1595,76 @@
           <a:p>
             <a:pPr lvl="0"/>
             <a:r>
-              <a:rPr kumimoji="1" lang="ja-JP" altLang="en-US"/>
+              <a:rPr lang="ja-JP" altLang="en-US"/>
               <a:t>マスター テキストの書式設定</a:t>
             </a:r>
           </a:p>
           <a:p>
             <a:pPr lvl="1"/>
             <a:r>
-              <a:rPr kumimoji="1" lang="ja-JP" altLang="en-US"/>
+              <a:rPr lang="ja-JP" altLang="en-US"/>
               <a:t>第 </a:t>
             </a:r>
             <a:r>
-              <a:rPr kumimoji="1" lang="en-US" altLang="ja-JP"/>
+              <a:rPr lang="en-US" altLang="ja-JP"/>
               <a:t>2 </a:t>
             </a:r>
             <a:r>
-              <a:rPr kumimoji="1" lang="ja-JP" altLang="en-US"/>
+              <a:rPr lang="ja-JP" altLang="en-US"/>
               <a:t>レベル</a:t>
             </a:r>
           </a:p>
           <a:p>
             <a:pPr lvl="2"/>
             <a:r>
-              <a:rPr kumimoji="1" lang="ja-JP" altLang="en-US"/>
+              <a:rPr lang="ja-JP" altLang="en-US"/>
               <a:t>第 </a:t>
             </a:r>
             <a:r>
-              <a:rPr kumimoji="1" lang="en-US" altLang="ja-JP"/>
+              <a:rPr lang="en-US" altLang="ja-JP"/>
               <a:t>3 </a:t>
             </a:r>
             <a:r>
-              <a:rPr kumimoji="1" lang="ja-JP" altLang="en-US"/>
+              <a:rPr lang="ja-JP" altLang="en-US"/>
               <a:t>レベル</a:t>
             </a:r>
           </a:p>
           <a:p>
             <a:pPr lvl="3"/>
             <a:r>
-              <a:rPr kumimoji="1" lang="ja-JP" altLang="en-US"/>
+              <a:rPr lang="ja-JP" altLang="en-US"/>
               <a:t>第 </a:t>
             </a:r>
             <a:r>
-              <a:rPr kumimoji="1" lang="en-US" altLang="ja-JP"/>
+              <a:rPr lang="en-US" altLang="ja-JP"/>
               <a:t>4 </a:t>
             </a:r>
             <a:r>
-              <a:rPr kumimoji="1" lang="ja-JP" altLang="en-US"/>
+              <a:rPr lang="ja-JP" altLang="en-US"/>
               <a:t>レベル</a:t>
             </a:r>
           </a:p>
           <a:p>
             <a:pPr lvl="4"/>
             <a:r>
-              <a:rPr kumimoji="1" lang="ja-JP" altLang="en-US"/>
+              <a:rPr lang="ja-JP" altLang="en-US"/>
               <a:t>第 </a:t>
             </a:r>
             <a:r>
-              <a:rPr kumimoji="1" lang="en-US" altLang="ja-JP"/>
+              <a:rPr lang="en-US" altLang="ja-JP"/>
               <a:t>5 </a:t>
             </a:r>
             <a:r>
-              <a:rPr kumimoji="1" lang="ja-JP" altLang="en-US"/>
+              <a:rPr lang="ja-JP" altLang="en-US"/>
               <a:t>レベル</a:t>
             </a:r>
-          </a:p>
-        </p:txBody>
-      </p:sp>
-      <p:sp>
-        <p:nvSpPr>
-          <p:cNvPr id="5" name="テキスト プレースホルダー 4">
-            <a:extLst>
-              <a:ext uri="{FF2B5EF4-FFF2-40B4-BE49-F238E27FC236}">
-                <a16:creationId xmlns:a16="http://schemas.microsoft.com/office/drawing/2014/main" id="{AB36274C-A726-714E-9414-ED976DE93C33}"/>
-              </a:ext>
-            </a:extLst>
-          </p:cNvPr>
+            <a:endParaRPr lang="en-US" dirty="0"/>
+          </a:p>
+        </p:txBody>
+      </p:sp>
+      <p:sp>
+        <p:nvSpPr>
+          <p:cNvPr id="5" name="Text Placeholder 4"/>
           <p:cNvSpPr>
             <a:spLocks noGrp="1"/>
           </p:cNvSpPr>
@@ -1864,8 +1674,8 @@
         </p:nvSpPr>
         <p:spPr>
           <a:xfrm>
-            <a:off x="6172200" y="1681163"/>
-            <a:ext cx="5183188" cy="823912"/>
+            <a:off x="7714447" y="1961746"/>
+            <a:ext cx="6478310" cy="961421"/>
           </a:xfrm>
         </p:spPr>
         <p:txBody>
@@ -1873,45 +1683,45 @@
           <a:lstStyle>
             <a:lvl1pPr marL="0" indent="0">
               <a:buNone/>
-              <a:defRPr sz="2400" b="1"/>
+              <a:defRPr sz="2801" b="1"/>
             </a:lvl1pPr>
-            <a:lvl2pPr marL="457200" indent="0">
-              <a:buNone/>
-              <a:defRPr sz="2000" b="1"/>
+            <a:lvl2pPr marL="533507" indent="0">
+              <a:buNone/>
+              <a:defRPr sz="2334" b="1"/>
             </a:lvl2pPr>
-            <a:lvl3pPr marL="914400" indent="0">
-              <a:buNone/>
-              <a:defRPr sz="1800" b="1"/>
+            <a:lvl3pPr marL="1067013" indent="0">
+              <a:buNone/>
+              <a:defRPr sz="2100" b="1"/>
             </a:lvl3pPr>
-            <a:lvl4pPr marL="1371600" indent="0">
-              <a:buNone/>
-              <a:defRPr sz="1600" b="1"/>
+            <a:lvl4pPr marL="1600520" indent="0">
+              <a:buNone/>
+              <a:defRPr sz="1867" b="1"/>
             </a:lvl4pPr>
-            <a:lvl5pPr marL="1828800" indent="0">
-              <a:buNone/>
-              <a:defRPr sz="1600" b="1"/>
+            <a:lvl5pPr marL="2134027" indent="0">
+              <a:buNone/>
+              <a:defRPr sz="1867" b="1"/>
             </a:lvl5pPr>
-            <a:lvl6pPr marL="2286000" indent="0">
-              <a:buNone/>
-              <a:defRPr sz="1600" b="1"/>
+            <a:lvl6pPr marL="2667533" indent="0">
+              <a:buNone/>
+              <a:defRPr sz="1867" b="1"/>
             </a:lvl6pPr>
-            <a:lvl7pPr marL="2743200" indent="0">
-              <a:buNone/>
-              <a:defRPr sz="1600" b="1"/>
+            <a:lvl7pPr marL="3201040" indent="0">
+              <a:buNone/>
+              <a:defRPr sz="1867" b="1"/>
             </a:lvl7pPr>
-            <a:lvl8pPr marL="3200400" indent="0">
-              <a:buNone/>
-              <a:defRPr sz="1600" b="1"/>
+            <a:lvl8pPr marL="3734547" indent="0">
+              <a:buNone/>
+              <a:defRPr sz="1867" b="1"/>
             </a:lvl8pPr>
-            <a:lvl9pPr marL="3657600" indent="0">
-              <a:buNone/>
-              <a:defRPr sz="1600" b="1"/>
+            <a:lvl9pPr marL="4268053" indent="0">
+              <a:buNone/>
+              <a:defRPr sz="1867" b="1"/>
             </a:lvl9pPr>
           </a:lstStyle>
           <a:p>
             <a:pPr lvl="0"/>
             <a:r>
-              <a:rPr kumimoji="1" lang="ja-JP" altLang="en-US"/>
+              <a:rPr lang="ja-JP" altLang="en-US"/>
               <a:t>マスター テキストの書式設定</a:t>
             </a:r>
           </a:p>
@@ -1919,13 +1729,7 @@
       </p:sp>
       <p:sp>
         <p:nvSpPr>
-          <p:cNvPr id="6" name="コンテンツ プレースホルダー 5">
-            <a:extLst>
-              <a:ext uri="{FF2B5EF4-FFF2-40B4-BE49-F238E27FC236}">
-                <a16:creationId xmlns:a16="http://schemas.microsoft.com/office/drawing/2014/main" id="{971A08A6-EF14-2149-83C8-ABCF4ACE299F}"/>
-              </a:ext>
-            </a:extLst>
-          </p:cNvPr>
+          <p:cNvPr id="6" name="Content Placeholder 5"/>
           <p:cNvSpPr>
             <a:spLocks noGrp="1"/>
           </p:cNvSpPr>
@@ -1935,8 +1739,8 @@
         </p:nvSpPr>
         <p:spPr>
           <a:xfrm>
-            <a:off x="6172200" y="2505075"/>
-            <a:ext cx="5183188" cy="3684588"/>
+            <a:off x="7714447" y="2923168"/>
+            <a:ext cx="6478310" cy="4299539"/>
           </a:xfrm>
         </p:spPr>
         <p:txBody>
@@ -1945,81 +1749,76 @@
           <a:p>
             <a:pPr lvl="0"/>
             <a:r>
-              <a:rPr kumimoji="1" lang="ja-JP" altLang="en-US"/>
+              <a:rPr lang="ja-JP" altLang="en-US"/>
               <a:t>マスター テキストの書式設定</a:t>
             </a:r>
           </a:p>
           <a:p>
             <a:pPr lvl="1"/>
             <a:r>
-              <a:rPr kumimoji="1" lang="ja-JP" altLang="en-US"/>
+              <a:rPr lang="ja-JP" altLang="en-US"/>
               <a:t>第 </a:t>
             </a:r>
             <a:r>
-              <a:rPr kumimoji="1" lang="en-US" altLang="ja-JP"/>
+              <a:rPr lang="en-US" altLang="ja-JP"/>
               <a:t>2 </a:t>
             </a:r>
             <a:r>
-              <a:rPr kumimoji="1" lang="ja-JP" altLang="en-US"/>
+              <a:rPr lang="ja-JP" altLang="en-US"/>
               <a:t>レベル</a:t>
             </a:r>
           </a:p>
           <a:p>
             <a:pPr lvl="2"/>
             <a:r>
-              <a:rPr kumimoji="1" lang="ja-JP" altLang="en-US"/>
+              <a:rPr lang="ja-JP" altLang="en-US"/>
               <a:t>第 </a:t>
             </a:r>
             <a:r>
-              <a:rPr kumimoji="1" lang="en-US" altLang="ja-JP"/>
+              <a:rPr lang="en-US" altLang="ja-JP"/>
               <a:t>3 </a:t>
             </a:r>
             <a:r>
-              <a:rPr kumimoji="1" lang="ja-JP" altLang="en-US"/>
+              <a:rPr lang="ja-JP" altLang="en-US"/>
               <a:t>レベル</a:t>
             </a:r>
           </a:p>
           <a:p>
             <a:pPr lvl="3"/>
             <a:r>
-              <a:rPr kumimoji="1" lang="ja-JP" altLang="en-US"/>
+              <a:rPr lang="ja-JP" altLang="en-US"/>
               <a:t>第 </a:t>
             </a:r>
             <a:r>
-              <a:rPr kumimoji="1" lang="en-US" altLang="ja-JP"/>
+              <a:rPr lang="en-US" altLang="ja-JP"/>
               <a:t>4 </a:t>
             </a:r>
             <a:r>
-              <a:rPr kumimoji="1" lang="ja-JP" altLang="en-US"/>
+              <a:rPr lang="ja-JP" altLang="en-US"/>
               <a:t>レベル</a:t>
             </a:r>
           </a:p>
           <a:p>
             <a:pPr lvl="4"/>
             <a:r>
-              <a:rPr kumimoji="1" lang="ja-JP" altLang="en-US"/>
+              <a:rPr lang="ja-JP" altLang="en-US"/>
               <a:t>第 </a:t>
             </a:r>
             <a:r>
-              <a:rPr kumimoji="1" lang="en-US" altLang="ja-JP"/>
+              <a:rPr lang="en-US" altLang="ja-JP"/>
               <a:t>5 </a:t>
             </a:r>
             <a:r>
-              <a:rPr kumimoji="1" lang="ja-JP" altLang="en-US"/>
+              <a:rPr lang="ja-JP" altLang="en-US"/>
               <a:t>レベル</a:t>
             </a:r>
-          </a:p>
-        </p:txBody>
-      </p:sp>
-      <p:sp>
-        <p:nvSpPr>
-          <p:cNvPr id="7" name="日付プレースホルダー 6">
-            <a:extLst>
-              <a:ext uri="{FF2B5EF4-FFF2-40B4-BE49-F238E27FC236}">
-                <a16:creationId xmlns:a16="http://schemas.microsoft.com/office/drawing/2014/main" id="{E744A697-7A38-3F40-988C-1CD484F86CB8}"/>
-              </a:ext>
-            </a:extLst>
-          </p:cNvPr>
+            <a:endParaRPr lang="en-US" dirty="0"/>
+          </a:p>
+        </p:txBody>
+      </p:sp>
+      <p:sp>
+        <p:nvSpPr>
+          <p:cNvPr id="7" name="Date Placeholder 6"/>
           <p:cNvSpPr>
             <a:spLocks noGrp="1"/>
           </p:cNvSpPr>
@@ -2034,7 +1833,7 @@
           <a:p>
             <a:fld id="{8D232F40-33DB-1541-A3A6-02E9A9902D9C}" type="datetimeFigureOut">
               <a:rPr kumimoji="1" lang="ja-JP" altLang="en-US" smtClean="0"/>
-              <a:t>2022/3/30</a:t>
+              <a:t>2022/6/6</a:t>
             </a:fld>
             <a:endParaRPr kumimoji="1" lang="ja-JP" altLang="en-US"/>
           </a:p>
@@ -2042,13 +1841,7 @@
       </p:sp>
       <p:sp>
         <p:nvSpPr>
-          <p:cNvPr id="8" name="フッター プレースホルダー 7">
-            <a:extLst>
-              <a:ext uri="{FF2B5EF4-FFF2-40B4-BE49-F238E27FC236}">
-                <a16:creationId xmlns:a16="http://schemas.microsoft.com/office/drawing/2014/main" id="{FDB9041C-A75E-4446-98B2-6FEA09AF77FB}"/>
-              </a:ext>
-            </a:extLst>
-          </p:cNvPr>
+          <p:cNvPr id="8" name="Footer Placeholder 7"/>
           <p:cNvSpPr>
             <a:spLocks noGrp="1"/>
           </p:cNvSpPr>
@@ -2067,13 +1860,7 @@
       </p:sp>
       <p:sp>
         <p:nvSpPr>
-          <p:cNvPr id="9" name="スライド番号プレースホルダー 8">
-            <a:extLst>
-              <a:ext uri="{FF2B5EF4-FFF2-40B4-BE49-F238E27FC236}">
-                <a16:creationId xmlns:a16="http://schemas.microsoft.com/office/drawing/2014/main" id="{68C06BDA-B874-7445-9ECE-3E37AC4F069F}"/>
-              </a:ext>
-            </a:extLst>
-          </p:cNvPr>
+          <p:cNvPr id="9" name="Slide Number Placeholder 8"/>
           <p:cNvSpPr>
             <a:spLocks noGrp="1"/>
           </p:cNvSpPr>
@@ -2097,7 +1884,7 @@
     </p:spTree>
     <p:extLst>
       <p:ext uri="{BB962C8B-B14F-4D97-AF65-F5344CB8AC3E}">
-        <p14:creationId xmlns:p14="http://schemas.microsoft.com/office/powerpoint/2010/main" val="1801257343"/>
+        <p14:creationId xmlns:p14="http://schemas.microsoft.com/office/powerpoint/2010/main" val="2621273142"/>
       </p:ext>
     </p:extLst>
   </p:cSld>
@@ -2126,13 +1913,7 @@
       </p:grpSpPr>
       <p:sp>
         <p:nvSpPr>
-          <p:cNvPr id="2" name="タイトル 1">
-            <a:extLst>
-              <a:ext uri="{FF2B5EF4-FFF2-40B4-BE49-F238E27FC236}">
-                <a16:creationId xmlns:a16="http://schemas.microsoft.com/office/drawing/2014/main" id="{BCF58243-C6BB-C04B-BC66-9723E173A1D0}"/>
-              </a:ext>
-            </a:extLst>
-          </p:cNvPr>
+          <p:cNvPr id="2" name="Title 1"/>
           <p:cNvSpPr>
             <a:spLocks noGrp="1"/>
           </p:cNvSpPr>
@@ -2146,21 +1927,16 @@
           <a:lstStyle/>
           <a:p>
             <a:r>
-              <a:rPr kumimoji="1" lang="ja-JP" altLang="en-US"/>
+              <a:rPr lang="ja-JP" altLang="en-US"/>
               <a:t>マスター タイトルの書式設定</a:t>
             </a:r>
-          </a:p>
-        </p:txBody>
-      </p:sp>
-      <p:sp>
-        <p:nvSpPr>
-          <p:cNvPr id="3" name="日付プレースホルダー 2">
-            <a:extLst>
-              <a:ext uri="{FF2B5EF4-FFF2-40B4-BE49-F238E27FC236}">
-                <a16:creationId xmlns:a16="http://schemas.microsoft.com/office/drawing/2014/main" id="{701AF2EC-3F65-C64E-9F9E-AC40FC8E9B49}"/>
-              </a:ext>
-            </a:extLst>
-          </p:cNvPr>
+            <a:endParaRPr lang="en-US" dirty="0"/>
+          </a:p>
+        </p:txBody>
+      </p:sp>
+      <p:sp>
+        <p:nvSpPr>
+          <p:cNvPr id="3" name="Date Placeholder 2"/>
           <p:cNvSpPr>
             <a:spLocks noGrp="1"/>
           </p:cNvSpPr>
@@ -2175,7 +1951,7 @@
           <a:p>
             <a:fld id="{8D232F40-33DB-1541-A3A6-02E9A9902D9C}" type="datetimeFigureOut">
               <a:rPr kumimoji="1" lang="ja-JP" altLang="en-US" smtClean="0"/>
-              <a:t>2022/3/30</a:t>
+              <a:t>2022/6/6</a:t>
             </a:fld>
             <a:endParaRPr kumimoji="1" lang="ja-JP" altLang="en-US"/>
           </a:p>
@@ -2183,13 +1959,7 @@
       </p:sp>
       <p:sp>
         <p:nvSpPr>
-          <p:cNvPr id="4" name="フッター プレースホルダー 3">
-            <a:extLst>
-              <a:ext uri="{FF2B5EF4-FFF2-40B4-BE49-F238E27FC236}">
-                <a16:creationId xmlns:a16="http://schemas.microsoft.com/office/drawing/2014/main" id="{3595F166-61E0-EA48-BB7F-27DF6E94437C}"/>
-              </a:ext>
-            </a:extLst>
-          </p:cNvPr>
+          <p:cNvPr id="4" name="Footer Placeholder 3"/>
           <p:cNvSpPr>
             <a:spLocks noGrp="1"/>
           </p:cNvSpPr>
@@ -2208,13 +1978,7 @@
       </p:sp>
       <p:sp>
         <p:nvSpPr>
-          <p:cNvPr id="5" name="スライド番号プレースホルダー 4">
-            <a:extLst>
-              <a:ext uri="{FF2B5EF4-FFF2-40B4-BE49-F238E27FC236}">
-                <a16:creationId xmlns:a16="http://schemas.microsoft.com/office/drawing/2014/main" id="{801B010C-C613-6748-A105-47BCA369E0C3}"/>
-              </a:ext>
-            </a:extLst>
-          </p:cNvPr>
+          <p:cNvPr id="5" name="Slide Number Placeholder 4"/>
           <p:cNvSpPr>
             <a:spLocks noGrp="1"/>
           </p:cNvSpPr>
@@ -2238,7 +2002,7 @@
     </p:spTree>
     <p:extLst>
       <p:ext uri="{BB962C8B-B14F-4D97-AF65-F5344CB8AC3E}">
-        <p14:creationId xmlns:p14="http://schemas.microsoft.com/office/powerpoint/2010/main" val="1584254435"/>
+        <p14:creationId xmlns:p14="http://schemas.microsoft.com/office/powerpoint/2010/main" val="2118078128"/>
       </p:ext>
     </p:extLst>
   </p:cSld>
@@ -2267,13 +2031,7 @@
       </p:grpSpPr>
       <p:sp>
         <p:nvSpPr>
-          <p:cNvPr id="2" name="日付プレースホルダー 1">
-            <a:extLst>
-              <a:ext uri="{FF2B5EF4-FFF2-40B4-BE49-F238E27FC236}">
-                <a16:creationId xmlns:a16="http://schemas.microsoft.com/office/drawing/2014/main" id="{A30038B7-8E48-1E49-9697-7E5C1512CBC3}"/>
-              </a:ext>
-            </a:extLst>
-          </p:cNvPr>
+          <p:cNvPr id="2" name="Date Placeholder 1"/>
           <p:cNvSpPr>
             <a:spLocks noGrp="1"/>
           </p:cNvSpPr>
@@ -2288,7 +2046,7 @@
           <a:p>
             <a:fld id="{8D232F40-33DB-1541-A3A6-02E9A9902D9C}" type="datetimeFigureOut">
               <a:rPr kumimoji="1" lang="ja-JP" altLang="en-US" smtClean="0"/>
-              <a:t>2022/3/30</a:t>
+              <a:t>2022/6/6</a:t>
             </a:fld>
             <a:endParaRPr kumimoji="1" lang="ja-JP" altLang="en-US"/>
           </a:p>
@@ -2296,13 +2054,7 @@
       </p:sp>
       <p:sp>
         <p:nvSpPr>
-          <p:cNvPr id="3" name="フッター プレースホルダー 2">
-            <a:extLst>
-              <a:ext uri="{FF2B5EF4-FFF2-40B4-BE49-F238E27FC236}">
-                <a16:creationId xmlns:a16="http://schemas.microsoft.com/office/drawing/2014/main" id="{92D92672-4CD8-6946-A3C2-B4226A1C314D}"/>
-              </a:ext>
-            </a:extLst>
-          </p:cNvPr>
+          <p:cNvPr id="3" name="Footer Placeholder 2"/>
           <p:cNvSpPr>
             <a:spLocks noGrp="1"/>
           </p:cNvSpPr>
@@ -2321,13 +2073,7 @@
       </p:sp>
       <p:sp>
         <p:nvSpPr>
-          <p:cNvPr id="4" name="スライド番号プレースホルダー 3">
-            <a:extLst>
-              <a:ext uri="{FF2B5EF4-FFF2-40B4-BE49-F238E27FC236}">
-                <a16:creationId xmlns:a16="http://schemas.microsoft.com/office/drawing/2014/main" id="{A9D6D310-2D65-0748-897A-5B0874FDFD04}"/>
-              </a:ext>
-            </a:extLst>
-          </p:cNvPr>
+          <p:cNvPr id="4" name="Slide Number Placeholder 3"/>
           <p:cNvSpPr>
             <a:spLocks noGrp="1"/>
           </p:cNvSpPr>
@@ -2351,7 +2097,7 @@
     </p:spTree>
     <p:extLst>
       <p:ext uri="{BB962C8B-B14F-4D97-AF65-F5344CB8AC3E}">
-        <p14:creationId xmlns:p14="http://schemas.microsoft.com/office/powerpoint/2010/main" val="4094250638"/>
+        <p14:creationId xmlns:p14="http://schemas.microsoft.com/office/powerpoint/2010/main" val="448730034"/>
       </p:ext>
     </p:extLst>
   </p:cSld>
@@ -2380,13 +2126,7 @@
       </p:grpSpPr>
       <p:sp>
         <p:nvSpPr>
-          <p:cNvPr id="2" name="タイトル 1">
-            <a:extLst>
-              <a:ext uri="{FF2B5EF4-FFF2-40B4-BE49-F238E27FC236}">
-                <a16:creationId xmlns:a16="http://schemas.microsoft.com/office/drawing/2014/main" id="{C37B44E2-4F0B-9D48-B7AA-0AA0D1ECB252}"/>
-              </a:ext>
-            </a:extLst>
-          </p:cNvPr>
+          <p:cNvPr id="2" name="Title 1"/>
           <p:cNvSpPr>
             <a:spLocks noGrp="1"/>
           </p:cNvSpPr>
@@ -2396,34 +2136,29 @@
         </p:nvSpPr>
         <p:spPr>
           <a:xfrm>
-            <a:off x="839788" y="457200"/>
-            <a:ext cx="3932237" cy="1600200"/>
+            <a:off x="1049627" y="533506"/>
+            <a:ext cx="4914784" cy="1867271"/>
           </a:xfrm>
         </p:spPr>
         <p:txBody>
           <a:bodyPr anchor="b"/>
           <a:lstStyle>
             <a:lvl1pPr>
-              <a:defRPr sz="3200"/>
+              <a:defRPr sz="3734"/>
             </a:lvl1pPr>
           </a:lstStyle>
           <a:p>
             <a:r>
-              <a:rPr kumimoji="1" lang="ja-JP" altLang="en-US"/>
+              <a:rPr lang="ja-JP" altLang="en-US"/>
               <a:t>マスター タイトルの書式設定</a:t>
             </a:r>
-          </a:p>
-        </p:txBody>
-      </p:sp>
-      <p:sp>
-        <p:nvSpPr>
-          <p:cNvPr id="3" name="コンテンツ プレースホルダー 2">
-            <a:extLst>
-              <a:ext uri="{FF2B5EF4-FFF2-40B4-BE49-F238E27FC236}">
-                <a16:creationId xmlns:a16="http://schemas.microsoft.com/office/drawing/2014/main" id="{070D4D5E-8F57-CA4E-B0F0-1A36E2C5EFA4}"/>
-              </a:ext>
-            </a:extLst>
-          </p:cNvPr>
+            <a:endParaRPr lang="en-US" dirty="0"/>
+          </a:p>
+        </p:txBody>
+      </p:sp>
+      <p:sp>
+        <p:nvSpPr>
+          <p:cNvPr id="3" name="Content Placeholder 2"/>
           <p:cNvSpPr>
             <a:spLocks noGrp="1"/>
           </p:cNvSpPr>
@@ -2433,119 +2168,114 @@
         </p:nvSpPr>
         <p:spPr>
           <a:xfrm>
-            <a:off x="5183188" y="987425"/>
-            <a:ext cx="6172200" cy="4873625"/>
+            <a:off x="6478310" y="1152225"/>
+            <a:ext cx="7714447" cy="5687024"/>
           </a:xfrm>
         </p:spPr>
         <p:txBody>
           <a:bodyPr/>
           <a:lstStyle>
             <a:lvl1pPr>
-              <a:defRPr sz="3200"/>
+              <a:defRPr sz="3734"/>
             </a:lvl1pPr>
             <a:lvl2pPr>
-              <a:defRPr sz="2800"/>
+              <a:defRPr sz="3267"/>
             </a:lvl2pPr>
             <a:lvl3pPr>
-              <a:defRPr sz="2400"/>
+              <a:defRPr sz="2801"/>
             </a:lvl3pPr>
             <a:lvl4pPr>
-              <a:defRPr sz="2000"/>
+              <a:defRPr sz="2334"/>
             </a:lvl4pPr>
             <a:lvl5pPr>
-              <a:defRPr sz="2000"/>
+              <a:defRPr sz="2334"/>
             </a:lvl5pPr>
             <a:lvl6pPr>
-              <a:defRPr sz="2000"/>
+              <a:defRPr sz="2334"/>
             </a:lvl6pPr>
             <a:lvl7pPr>
-              <a:defRPr sz="2000"/>
+              <a:defRPr sz="2334"/>
             </a:lvl7pPr>
             <a:lvl8pPr>
-              <a:defRPr sz="2000"/>
+              <a:defRPr sz="2334"/>
             </a:lvl8pPr>
             <a:lvl9pPr>
-              <a:defRPr sz="2000"/>
+              <a:defRPr sz="2334"/>
             </a:lvl9pPr>
           </a:lstStyle>
           <a:p>
             <a:pPr lvl="0"/>
             <a:r>
-              <a:rPr kumimoji="1" lang="ja-JP" altLang="en-US"/>
+              <a:rPr lang="ja-JP" altLang="en-US"/>
               <a:t>マスター テキストの書式設定</a:t>
             </a:r>
           </a:p>
           <a:p>
             <a:pPr lvl="1"/>
             <a:r>
-              <a:rPr kumimoji="1" lang="ja-JP" altLang="en-US"/>
+              <a:rPr lang="ja-JP" altLang="en-US"/>
               <a:t>第 </a:t>
             </a:r>
             <a:r>
-              <a:rPr kumimoji="1" lang="en-US" altLang="ja-JP"/>
+              <a:rPr lang="en-US" altLang="ja-JP"/>
               <a:t>2 </a:t>
             </a:r>
             <a:r>
-              <a:rPr kumimoji="1" lang="ja-JP" altLang="en-US"/>
+              <a:rPr lang="ja-JP" altLang="en-US"/>
               <a:t>レベル</a:t>
             </a:r>
           </a:p>
           <a:p>
             <a:pPr lvl="2"/>
             <a:r>
-              <a:rPr kumimoji="1" lang="ja-JP" altLang="en-US"/>
+              <a:rPr lang="ja-JP" altLang="en-US"/>
               <a:t>第 </a:t>
             </a:r>
             <a:r>
-              <a:rPr kumimoji="1" lang="en-US" altLang="ja-JP"/>
+              <a:rPr lang="en-US" altLang="ja-JP"/>
               <a:t>3 </a:t>
             </a:r>
             <a:r>
-              <a:rPr kumimoji="1" lang="ja-JP" altLang="en-US"/>
+              <a:rPr lang="ja-JP" altLang="en-US"/>
               <a:t>レベル</a:t>
             </a:r>
           </a:p>
           <a:p>
             <a:pPr lvl="3"/>
             <a:r>
-              <a:rPr kumimoji="1" lang="ja-JP" altLang="en-US"/>
+              <a:rPr lang="ja-JP" altLang="en-US"/>
               <a:t>第 </a:t>
             </a:r>
             <a:r>
-              <a:rPr kumimoji="1" lang="en-US" altLang="ja-JP"/>
+              <a:rPr lang="en-US" altLang="ja-JP"/>
               <a:t>4 </a:t>
             </a:r>
             <a:r>
-              <a:rPr kumimoji="1" lang="ja-JP" altLang="en-US"/>
+              <a:rPr lang="ja-JP" altLang="en-US"/>
               <a:t>レベル</a:t>
             </a:r>
           </a:p>
           <a:p>
             <a:pPr lvl="4"/>
             <a:r>
-              <a:rPr kumimoji="1" lang="ja-JP" altLang="en-US"/>
+              <a:rPr lang="ja-JP" altLang="en-US"/>
               <a:t>第 </a:t>
             </a:r>
             <a:r>
-              <a:rPr kumimoji="1" lang="en-US" altLang="ja-JP"/>
+              <a:rPr lang="en-US" altLang="ja-JP"/>
               <a:t>5 </a:t>
             </a:r>
             <a:r>
-              <a:rPr kumimoji="1" lang="ja-JP" altLang="en-US"/>
+              <a:rPr lang="ja-JP" altLang="en-US"/>
               <a:t>レベル</a:t>
             </a:r>
-          </a:p>
-        </p:txBody>
-      </p:sp>
-      <p:sp>
-        <p:nvSpPr>
-          <p:cNvPr id="4" name="テキスト プレースホルダー 3">
-            <a:extLst>
-              <a:ext uri="{FF2B5EF4-FFF2-40B4-BE49-F238E27FC236}">
-                <a16:creationId xmlns:a16="http://schemas.microsoft.com/office/drawing/2014/main" id="{F70C6DF1-A105-4540-A9F7-A8F08F86ADB2}"/>
-              </a:ext>
-            </a:extLst>
-          </p:cNvPr>
+            <a:endParaRPr lang="en-US" dirty="0"/>
+          </a:p>
+        </p:txBody>
+      </p:sp>
+      <p:sp>
+        <p:nvSpPr>
+          <p:cNvPr id="4" name="Text Placeholder 3"/>
           <p:cNvSpPr>
             <a:spLocks noGrp="1"/>
           </p:cNvSpPr>
@@ -2555,8 +2285,8 @@
         </p:nvSpPr>
         <p:spPr>
           <a:xfrm>
-            <a:off x="839788" y="2057400"/>
-            <a:ext cx="3932237" cy="3811588"/>
+            <a:off x="1049627" y="2400777"/>
+            <a:ext cx="4914784" cy="4447735"/>
           </a:xfrm>
         </p:spPr>
         <p:txBody>
@@ -2564,45 +2294,45 @@
           <a:lstStyle>
             <a:lvl1pPr marL="0" indent="0">
               <a:buNone/>
-              <a:defRPr sz="1600"/>
+              <a:defRPr sz="1867"/>
             </a:lvl1pPr>
-            <a:lvl2pPr marL="457200" indent="0">
+            <a:lvl2pPr marL="533507" indent="0">
+              <a:buNone/>
+              <a:defRPr sz="1634"/>
+            </a:lvl2pPr>
+            <a:lvl3pPr marL="1067013" indent="0">
               <a:buNone/>
               <a:defRPr sz="1400"/>
-            </a:lvl2pPr>
-            <a:lvl3pPr marL="914400" indent="0">
-              <a:buNone/>
-              <a:defRPr sz="1200"/>
             </a:lvl3pPr>
-            <a:lvl4pPr marL="1371600" indent="0">
-              <a:buNone/>
-              <a:defRPr sz="1000"/>
+            <a:lvl4pPr marL="1600520" indent="0">
+              <a:buNone/>
+              <a:defRPr sz="1167"/>
             </a:lvl4pPr>
-            <a:lvl5pPr marL="1828800" indent="0">
-              <a:buNone/>
-              <a:defRPr sz="1000"/>
+            <a:lvl5pPr marL="2134027" indent="0">
+              <a:buNone/>
+              <a:defRPr sz="1167"/>
             </a:lvl5pPr>
-            <a:lvl6pPr marL="2286000" indent="0">
-              <a:buNone/>
-              <a:defRPr sz="1000"/>
+            <a:lvl6pPr marL="2667533" indent="0">
+              <a:buNone/>
+              <a:defRPr sz="1167"/>
             </a:lvl6pPr>
-            <a:lvl7pPr marL="2743200" indent="0">
-              <a:buNone/>
-              <a:defRPr sz="1000"/>
+            <a:lvl7pPr marL="3201040" indent="0">
+              <a:buNone/>
+              <a:defRPr sz="1167"/>
             </a:lvl7pPr>
-            <a:lvl8pPr marL="3200400" indent="0">
-              <a:buNone/>
-              <a:defRPr sz="1000"/>
+            <a:lvl8pPr marL="3734547" indent="0">
+              <a:buNone/>
+              <a:defRPr sz="1167"/>
             </a:lvl8pPr>
-            <a:lvl9pPr marL="3657600" indent="0">
-              <a:buNone/>
-              <a:defRPr sz="1000"/>
+            <a:lvl9pPr marL="4268053" indent="0">
+              <a:buNone/>
+              <a:defRPr sz="1167"/>
             </a:lvl9pPr>
           </a:lstStyle>
           <a:p>
             <a:pPr lvl="0"/>
             <a:r>
-              <a:rPr kumimoji="1" lang="ja-JP" altLang="en-US"/>
+              <a:rPr lang="ja-JP" altLang="en-US"/>
               <a:t>マスター テキストの書式設定</a:t>
             </a:r>
           </a:p>
@@ -2610,13 +2340,7 @@
       </p:sp>
       <p:sp>
         <p:nvSpPr>
-          <p:cNvPr id="5" name="日付プレースホルダー 4">
-            <a:extLst>
-              <a:ext uri="{FF2B5EF4-FFF2-40B4-BE49-F238E27FC236}">
-                <a16:creationId xmlns:a16="http://schemas.microsoft.com/office/drawing/2014/main" id="{2B0470AD-7DAA-3649-B26F-713BDBC0F3B4}"/>
-              </a:ext>
-            </a:extLst>
-          </p:cNvPr>
+          <p:cNvPr id="5" name="Date Placeholder 4"/>
           <p:cNvSpPr>
             <a:spLocks noGrp="1"/>
           </p:cNvSpPr>
@@ -2631,7 +2355,7 @@
           <a:p>
             <a:fld id="{8D232F40-33DB-1541-A3A6-02E9A9902D9C}" type="datetimeFigureOut">
               <a:rPr kumimoji="1" lang="ja-JP" altLang="en-US" smtClean="0"/>
-              <a:t>2022/3/30</a:t>
+              <a:t>2022/6/6</a:t>
             </a:fld>
             <a:endParaRPr kumimoji="1" lang="ja-JP" altLang="en-US"/>
           </a:p>
@@ -2639,13 +2363,7 @@
       </p:sp>
       <p:sp>
         <p:nvSpPr>
-          <p:cNvPr id="6" name="フッター プレースホルダー 5">
-            <a:extLst>
-              <a:ext uri="{FF2B5EF4-FFF2-40B4-BE49-F238E27FC236}">
-                <a16:creationId xmlns:a16="http://schemas.microsoft.com/office/drawing/2014/main" id="{60AA82AC-A883-DE4C-A5D6-3D216D0EA6D0}"/>
-              </a:ext>
-            </a:extLst>
-          </p:cNvPr>
+          <p:cNvPr id="6" name="Footer Placeholder 5"/>
           <p:cNvSpPr>
             <a:spLocks noGrp="1"/>
           </p:cNvSpPr>
@@ -2664,13 +2382,7 @@
       </p:sp>
       <p:sp>
         <p:nvSpPr>
-          <p:cNvPr id="7" name="スライド番号プレースホルダー 6">
-            <a:extLst>
-              <a:ext uri="{FF2B5EF4-FFF2-40B4-BE49-F238E27FC236}">
-                <a16:creationId xmlns:a16="http://schemas.microsoft.com/office/drawing/2014/main" id="{315E4252-EECC-E348-84D9-237E7707E57D}"/>
-              </a:ext>
-            </a:extLst>
-          </p:cNvPr>
+          <p:cNvPr id="7" name="Slide Number Placeholder 6"/>
           <p:cNvSpPr>
             <a:spLocks noGrp="1"/>
           </p:cNvSpPr>
@@ -2694,7 +2406,7 @@
     </p:spTree>
     <p:extLst>
       <p:ext uri="{BB962C8B-B14F-4D97-AF65-F5344CB8AC3E}">
-        <p14:creationId xmlns:p14="http://schemas.microsoft.com/office/powerpoint/2010/main" val="3107063814"/>
+        <p14:creationId xmlns:p14="http://schemas.microsoft.com/office/powerpoint/2010/main" val="2100633903"/>
       </p:ext>
     </p:extLst>
   </p:cSld>
@@ -2723,13 +2435,7 @@
       </p:grpSpPr>
       <p:sp>
         <p:nvSpPr>
-          <p:cNvPr id="2" name="タイトル 1">
-            <a:extLst>
-              <a:ext uri="{FF2B5EF4-FFF2-40B4-BE49-F238E27FC236}">
-                <a16:creationId xmlns:a16="http://schemas.microsoft.com/office/drawing/2014/main" id="{668BE083-14E6-BF43-8017-1DBE743DE126}"/>
-              </a:ext>
-            </a:extLst>
-          </p:cNvPr>
+          <p:cNvPr id="2" name="Title 1"/>
           <p:cNvSpPr>
             <a:spLocks noGrp="1"/>
           </p:cNvSpPr>
@@ -2739,36 +2445,31 @@
         </p:nvSpPr>
         <p:spPr>
           <a:xfrm>
-            <a:off x="839788" y="457200"/>
-            <a:ext cx="3932237" cy="1600200"/>
+            <a:off x="1049627" y="533506"/>
+            <a:ext cx="4914784" cy="1867271"/>
           </a:xfrm>
         </p:spPr>
         <p:txBody>
           <a:bodyPr anchor="b"/>
           <a:lstStyle>
             <a:lvl1pPr>
-              <a:defRPr sz="3200"/>
+              <a:defRPr sz="3734"/>
             </a:lvl1pPr>
           </a:lstStyle>
           <a:p>
             <a:r>
-              <a:rPr kumimoji="1" lang="ja-JP" altLang="en-US"/>
+              <a:rPr lang="ja-JP" altLang="en-US"/>
               <a:t>マスター タイトルの書式設定</a:t>
             </a:r>
-          </a:p>
-        </p:txBody>
-      </p:sp>
-      <p:sp>
-        <p:nvSpPr>
-          <p:cNvPr id="3" name="図プレースホルダー 2">
-            <a:extLst>
-              <a:ext uri="{FF2B5EF4-FFF2-40B4-BE49-F238E27FC236}">
-                <a16:creationId xmlns:a16="http://schemas.microsoft.com/office/drawing/2014/main" id="{1471B0F3-BF2E-7E41-B5F3-0D4B503087F9}"/>
-              </a:ext>
-            </a:extLst>
-          </p:cNvPr>
-          <p:cNvSpPr>
-            <a:spLocks noGrp="1"/>
+            <a:endParaRPr lang="en-US" dirty="0"/>
+          </a:p>
+        </p:txBody>
+      </p:sp>
+      <p:sp>
+        <p:nvSpPr>
+          <p:cNvPr id="3" name="Picture Placeholder 2"/>
+          <p:cNvSpPr>
+            <a:spLocks noGrp="1" noChangeAspect="1"/>
           </p:cNvSpPr>
           <p:nvPr>
             <p:ph type="pic" idx="1"/>
@@ -2776,64 +2477,62 @@
         </p:nvSpPr>
         <p:spPr>
           <a:xfrm>
-            <a:off x="5183188" y="987425"/>
-            <a:ext cx="6172200" cy="4873625"/>
+            <a:off x="6478310" y="1152225"/>
+            <a:ext cx="7714447" cy="5687024"/>
           </a:xfrm>
         </p:spPr>
         <p:txBody>
-          <a:bodyPr/>
+          <a:bodyPr anchor="t"/>
           <a:lstStyle>
             <a:lvl1pPr marL="0" indent="0">
               <a:buNone/>
-              <a:defRPr sz="3200"/>
+              <a:defRPr sz="3734"/>
             </a:lvl1pPr>
-            <a:lvl2pPr marL="457200" indent="0">
-              <a:buNone/>
-              <a:defRPr sz="2800"/>
+            <a:lvl2pPr marL="533507" indent="0">
+              <a:buNone/>
+              <a:defRPr sz="3267"/>
             </a:lvl2pPr>
-            <a:lvl3pPr marL="914400" indent="0">
-              <a:buNone/>
-              <a:defRPr sz="2400"/>
+            <a:lvl3pPr marL="1067013" indent="0">
+              <a:buNone/>
+              <a:defRPr sz="2801"/>
             </a:lvl3pPr>
-            <a:lvl4pPr marL="1371600" indent="0">
-              <a:buNone/>
-              <a:defRPr sz="2000"/>
+            <a:lvl4pPr marL="1600520" indent="0">
+              <a:buNone/>
+              <a:defRPr sz="2334"/>
             </a:lvl4pPr>
-            <a:lvl5pPr marL="1828800" indent="0">
-              <a:buNone/>
-              <a:defRPr sz="2000"/>
+            <a:lvl5pPr marL="2134027" indent="0">
+              <a:buNone/>
+              <a:defRPr sz="2334"/>
             </a:lvl5pPr>
-            <a:lvl6pPr marL="2286000" indent="0">
-              <a:buNone/>
-              <a:defRPr sz="2000"/>
+            <a:lvl6pPr marL="2667533" indent="0">
+              <a:buNone/>
+              <a:defRPr sz="2334"/>
             </a:lvl6pPr>
-            <a:lvl7pPr marL="2743200" indent="0">
-              <a:buNone/>
-              <a:defRPr sz="2000"/>
+            <a:lvl7pPr marL="3201040" indent="0">
+              <a:buNone/>
+              <a:defRPr sz="2334"/>
             </a:lvl7pPr>
-            <a:lvl8pPr marL="3200400" indent="0">
-              <a:buNone/>
-              <a:defRPr sz="2000"/>
+            <a:lvl8pPr marL="3734547" indent="0">
+              <a:buNone/>
+              <a:defRPr sz="2334"/>
             </a:lvl8pPr>
-            <a:lvl9pPr marL="3657600" indent="0">
-              <a:buNone/>
-              <a:defRPr sz="2000"/>
+            <a:lvl9pPr marL="4268053" indent="0">
+              <a:buNone/>
+              <a:defRPr sz="2334"/>
             </a:lvl9pPr>
           </a:lstStyle>
           <a:p>
-            <a:endParaRPr kumimoji="1" lang="ja-JP" altLang="en-US"/>
-          </a:p>
-        </p:txBody>
-      </p:sp>
-      <p:sp>
-        <p:nvSpPr>
-          <p:cNvPr id="4" name="テキスト プレースホルダー 3">
-            <a:extLst>
-              <a:ext uri="{FF2B5EF4-FFF2-40B4-BE49-F238E27FC236}">
-                <a16:creationId xmlns:a16="http://schemas.microsoft.com/office/drawing/2014/main" id="{FC3443AB-28B9-A249-B379-C7A13243C51C}"/>
-              </a:ext>
-            </a:extLst>
-          </p:cNvPr>
+            <a:r>
+              <a:rPr lang="ja-JP" altLang="en-US"/>
+              <a:t>アイコンをクリックして図を追加</a:t>
+            </a:r>
+            <a:endParaRPr lang="en-US" dirty="0"/>
+          </a:p>
+        </p:txBody>
+      </p:sp>
+      <p:sp>
+        <p:nvSpPr>
+          <p:cNvPr id="4" name="Text Placeholder 3"/>
           <p:cNvSpPr>
             <a:spLocks noGrp="1"/>
           </p:cNvSpPr>
@@ -2843,8 +2542,8 @@
         </p:nvSpPr>
         <p:spPr>
           <a:xfrm>
-            <a:off x="839788" y="2057400"/>
-            <a:ext cx="3932237" cy="3811588"/>
+            <a:off x="1049627" y="2400777"/>
+            <a:ext cx="4914784" cy="4447735"/>
           </a:xfrm>
         </p:spPr>
         <p:txBody>
@@ -2852,45 +2551,45 @@
           <a:lstStyle>
             <a:lvl1pPr marL="0" indent="0">
               <a:buNone/>
-              <a:defRPr sz="1600"/>
+              <a:defRPr sz="1867"/>
             </a:lvl1pPr>
-            <a:lvl2pPr marL="457200" indent="0">
+            <a:lvl2pPr marL="533507" indent="0">
+              <a:buNone/>
+              <a:defRPr sz="1634"/>
+            </a:lvl2pPr>
+            <a:lvl3pPr marL="1067013" indent="0">
               <a:buNone/>
               <a:defRPr sz="1400"/>
-            </a:lvl2pPr>
-            <a:lvl3pPr marL="914400" indent="0">
-              <a:buNone/>
-              <a:defRPr sz="1200"/>
             </a:lvl3pPr>
-            <a:lvl4pPr marL="1371600" indent="0">
-              <a:buNone/>
-              <a:defRPr sz="1000"/>
+            <a:lvl4pPr marL="1600520" indent="0">
+              <a:buNone/>
+              <a:defRPr sz="1167"/>
             </a:lvl4pPr>
-            <a:lvl5pPr marL="1828800" indent="0">
-              <a:buNone/>
-              <a:defRPr sz="1000"/>
+            <a:lvl5pPr marL="2134027" indent="0">
+              <a:buNone/>
+              <a:defRPr sz="1167"/>
             </a:lvl5pPr>
-            <a:lvl6pPr marL="2286000" indent="0">
-              <a:buNone/>
-              <a:defRPr sz="1000"/>
+            <a:lvl6pPr marL="2667533" indent="0">
+              <a:buNone/>
+              <a:defRPr sz="1167"/>
             </a:lvl6pPr>
-            <a:lvl7pPr marL="2743200" indent="0">
-              <a:buNone/>
-              <a:defRPr sz="1000"/>
+            <a:lvl7pPr marL="3201040" indent="0">
+              <a:buNone/>
+              <a:defRPr sz="1167"/>
             </a:lvl7pPr>
-            <a:lvl8pPr marL="3200400" indent="0">
-              <a:buNone/>
-              <a:defRPr sz="1000"/>
+            <a:lvl8pPr marL="3734547" indent="0">
+              <a:buNone/>
+              <a:defRPr sz="1167"/>
             </a:lvl8pPr>
-            <a:lvl9pPr marL="3657600" indent="0">
-              <a:buNone/>
-              <a:defRPr sz="1000"/>
+            <a:lvl9pPr marL="4268053" indent="0">
+              <a:buNone/>
+              <a:defRPr sz="1167"/>
             </a:lvl9pPr>
           </a:lstStyle>
           <a:p>
             <a:pPr lvl="0"/>
             <a:r>
-              <a:rPr kumimoji="1" lang="ja-JP" altLang="en-US"/>
+              <a:rPr lang="ja-JP" altLang="en-US"/>
               <a:t>マスター テキストの書式設定</a:t>
             </a:r>
           </a:p>
@@ -2898,13 +2597,7 @@
       </p:sp>
       <p:sp>
         <p:nvSpPr>
-          <p:cNvPr id="5" name="日付プレースホルダー 4">
-            <a:extLst>
-              <a:ext uri="{FF2B5EF4-FFF2-40B4-BE49-F238E27FC236}">
-                <a16:creationId xmlns:a16="http://schemas.microsoft.com/office/drawing/2014/main" id="{211CDF42-EA1A-8C46-856D-928CF7B1AF40}"/>
-              </a:ext>
-            </a:extLst>
-          </p:cNvPr>
+          <p:cNvPr id="5" name="Date Placeholder 4"/>
           <p:cNvSpPr>
             <a:spLocks noGrp="1"/>
           </p:cNvSpPr>
@@ -2919,7 +2612,7 @@
           <a:p>
             <a:fld id="{8D232F40-33DB-1541-A3A6-02E9A9902D9C}" type="datetimeFigureOut">
               <a:rPr kumimoji="1" lang="ja-JP" altLang="en-US" smtClean="0"/>
-              <a:t>2022/3/30</a:t>
+              <a:t>2022/6/6</a:t>
             </a:fld>
             <a:endParaRPr kumimoji="1" lang="ja-JP" altLang="en-US"/>
           </a:p>
@@ -2927,13 +2620,7 @@
       </p:sp>
       <p:sp>
         <p:nvSpPr>
-          <p:cNvPr id="6" name="フッター プレースホルダー 5">
-            <a:extLst>
-              <a:ext uri="{FF2B5EF4-FFF2-40B4-BE49-F238E27FC236}">
-                <a16:creationId xmlns:a16="http://schemas.microsoft.com/office/drawing/2014/main" id="{5D3A394E-2761-6D44-8477-B7711D8C8ACE}"/>
-              </a:ext>
-            </a:extLst>
-          </p:cNvPr>
+          <p:cNvPr id="6" name="Footer Placeholder 5"/>
           <p:cNvSpPr>
             <a:spLocks noGrp="1"/>
           </p:cNvSpPr>
@@ -2952,13 +2639,7 @@
       </p:sp>
       <p:sp>
         <p:nvSpPr>
-          <p:cNvPr id="7" name="スライド番号プレースホルダー 6">
-            <a:extLst>
-              <a:ext uri="{FF2B5EF4-FFF2-40B4-BE49-F238E27FC236}">
-                <a16:creationId xmlns:a16="http://schemas.microsoft.com/office/drawing/2014/main" id="{920D58C8-41B9-B44B-9ADB-1E06C797E237}"/>
-              </a:ext>
-            </a:extLst>
-          </p:cNvPr>
+          <p:cNvPr id="7" name="Slide Number Placeholder 6"/>
           <p:cNvSpPr>
             <a:spLocks noGrp="1"/>
           </p:cNvSpPr>
@@ -2982,7 +2663,7 @@
     </p:spTree>
     <p:extLst>
       <p:ext uri="{BB962C8B-B14F-4D97-AF65-F5344CB8AC3E}">
-        <p14:creationId xmlns:p14="http://schemas.microsoft.com/office/powerpoint/2010/main" val="3618729938"/>
+        <p14:creationId xmlns:p14="http://schemas.microsoft.com/office/powerpoint/2010/main" val="1199042594"/>
       </p:ext>
     </p:extLst>
   </p:cSld>
@@ -3016,13 +2697,7 @@
       </p:grpSpPr>
       <p:sp>
         <p:nvSpPr>
-          <p:cNvPr id="2" name="タイトル プレースホルダー 1">
-            <a:extLst>
-              <a:ext uri="{FF2B5EF4-FFF2-40B4-BE49-F238E27FC236}">
-                <a16:creationId xmlns:a16="http://schemas.microsoft.com/office/drawing/2014/main" id="{F19B00F6-E622-F648-89B2-0B7B72992196}"/>
-              </a:ext>
-            </a:extLst>
-          </p:cNvPr>
+          <p:cNvPr id="2" name="Title Placeholder 1"/>
           <p:cNvSpPr>
             <a:spLocks noGrp="1"/>
           </p:cNvSpPr>
@@ -3032,8 +2707,8 @@
         </p:nvSpPr>
         <p:spPr>
           <a:xfrm>
-            <a:off x="838200" y="365125"/>
-            <a:ext cx="10515600" cy="1325563"/>
+            <a:off x="1047641" y="426064"/>
+            <a:ext cx="13143131" cy="1546797"/>
           </a:xfrm>
           <a:prstGeom prst="rect">
             <a:avLst/>
@@ -3046,21 +2721,16 @@
           <a:lstStyle/>
           <a:p>
             <a:r>
-              <a:rPr kumimoji="1" lang="ja-JP" altLang="en-US"/>
+              <a:rPr lang="ja-JP" altLang="en-US"/>
               <a:t>マスター タイトルの書式設定</a:t>
             </a:r>
-          </a:p>
-        </p:txBody>
-      </p:sp>
-      <p:sp>
-        <p:nvSpPr>
-          <p:cNvPr id="3" name="テキスト プレースホルダー 2">
-            <a:extLst>
-              <a:ext uri="{FF2B5EF4-FFF2-40B4-BE49-F238E27FC236}">
-                <a16:creationId xmlns:a16="http://schemas.microsoft.com/office/drawing/2014/main" id="{E033E535-1CC5-684D-9233-AC086F59E163}"/>
-              </a:ext>
-            </a:extLst>
-          </p:cNvPr>
+            <a:endParaRPr lang="en-US" dirty="0"/>
+          </a:p>
+        </p:txBody>
+      </p:sp>
+      <p:sp>
+        <p:nvSpPr>
+          <p:cNvPr id="3" name="Text Placeholder 2"/>
           <p:cNvSpPr>
             <a:spLocks noGrp="1"/>
           </p:cNvSpPr>
@@ -3070,8 +2740,8 @@
         </p:nvSpPr>
         <p:spPr>
           <a:xfrm>
-            <a:off x="838200" y="1825625"/>
-            <a:ext cx="10515600" cy="4351338"/>
+            <a:off x="1047641" y="2130318"/>
+            <a:ext cx="13143131" cy="5077569"/>
           </a:xfrm>
           <a:prstGeom prst="rect">
             <a:avLst/>
@@ -3085,81 +2755,76 @@
           <a:p>
             <a:pPr lvl="0"/>
             <a:r>
-              <a:rPr kumimoji="1" lang="ja-JP" altLang="en-US"/>
+              <a:rPr lang="ja-JP" altLang="en-US"/>
               <a:t>マスター テキストの書式設定</a:t>
             </a:r>
           </a:p>
           <a:p>
             <a:pPr lvl="1"/>
             <a:r>
-              <a:rPr kumimoji="1" lang="ja-JP" altLang="en-US"/>
+              <a:rPr lang="ja-JP" altLang="en-US"/>
               <a:t>第 </a:t>
             </a:r>
             <a:r>
-              <a:rPr kumimoji="1" lang="en-US" altLang="ja-JP"/>
+              <a:rPr lang="en-US" altLang="ja-JP"/>
               <a:t>2 </a:t>
             </a:r>
             <a:r>
-              <a:rPr kumimoji="1" lang="ja-JP" altLang="en-US"/>
+              <a:rPr lang="ja-JP" altLang="en-US"/>
               <a:t>レベル</a:t>
             </a:r>
           </a:p>
           <a:p>
             <a:pPr lvl="2"/>
             <a:r>
-              <a:rPr kumimoji="1" lang="ja-JP" altLang="en-US"/>
+              <a:rPr lang="ja-JP" altLang="en-US"/>
               <a:t>第 </a:t>
             </a:r>
             <a:r>
-              <a:rPr kumimoji="1" lang="en-US" altLang="ja-JP"/>
+              <a:rPr lang="en-US" altLang="ja-JP"/>
               <a:t>3 </a:t>
             </a:r>
             <a:r>
-              <a:rPr kumimoji="1" lang="ja-JP" altLang="en-US"/>
+              <a:rPr lang="ja-JP" altLang="en-US"/>
               <a:t>レベル</a:t>
             </a:r>
           </a:p>
           <a:p>
             <a:pPr lvl="3"/>
             <a:r>
-              <a:rPr kumimoji="1" lang="ja-JP" altLang="en-US"/>
+              <a:rPr lang="ja-JP" altLang="en-US"/>
               <a:t>第 </a:t>
             </a:r>
             <a:r>
-              <a:rPr kumimoji="1" lang="en-US" altLang="ja-JP"/>
+              <a:rPr lang="en-US" altLang="ja-JP"/>
               <a:t>4 </a:t>
             </a:r>
             <a:r>
-              <a:rPr kumimoji="1" lang="ja-JP" altLang="en-US"/>
+              <a:rPr lang="ja-JP" altLang="en-US"/>
               <a:t>レベル</a:t>
             </a:r>
           </a:p>
           <a:p>
             <a:pPr lvl="4"/>
             <a:r>
-              <a:rPr kumimoji="1" lang="ja-JP" altLang="en-US"/>
+              <a:rPr lang="ja-JP" altLang="en-US"/>
               <a:t>第 </a:t>
             </a:r>
             <a:r>
-              <a:rPr kumimoji="1" lang="en-US" altLang="ja-JP"/>
+              <a:rPr lang="en-US" altLang="ja-JP"/>
               <a:t>5 </a:t>
             </a:r>
             <a:r>
-              <a:rPr kumimoji="1" lang="ja-JP" altLang="en-US"/>
+              <a:rPr lang="ja-JP" altLang="en-US"/>
               <a:t>レベル</a:t>
             </a:r>
-          </a:p>
-        </p:txBody>
-      </p:sp>
-      <p:sp>
-        <p:nvSpPr>
-          <p:cNvPr id="4" name="日付プレースホルダー 3">
-            <a:extLst>
-              <a:ext uri="{FF2B5EF4-FFF2-40B4-BE49-F238E27FC236}">
-                <a16:creationId xmlns:a16="http://schemas.microsoft.com/office/drawing/2014/main" id="{404A8F66-D936-4041-9A2B-345B75727A22}"/>
-              </a:ext>
-            </a:extLst>
-          </p:cNvPr>
+            <a:endParaRPr lang="en-US" dirty="0"/>
+          </a:p>
+        </p:txBody>
+      </p:sp>
+      <p:sp>
+        <p:nvSpPr>
+          <p:cNvPr id="4" name="Date Placeholder 3"/>
           <p:cNvSpPr>
             <a:spLocks noGrp="1"/>
           </p:cNvSpPr>
@@ -3169,8 +2834,8 @@
         </p:nvSpPr>
         <p:spPr>
           <a:xfrm>
-            <a:off x="838200" y="6356350"/>
-            <a:ext cx="2743200" cy="365125"/>
+            <a:off x="1047641" y="7417214"/>
+            <a:ext cx="3428643" cy="426064"/>
           </a:xfrm>
           <a:prstGeom prst="rect">
             <a:avLst/>
@@ -3180,7 +2845,7 @@
           <a:bodyPr vert="horz" lIns="91440" tIns="45720" rIns="91440" bIns="45720" rtlCol="0" anchor="ctr"/>
           <a:lstStyle>
             <a:lvl1pPr algn="l">
-              <a:defRPr sz="1200">
+              <a:defRPr sz="1400">
                 <a:solidFill>
                   <a:schemeClr val="tx1">
                     <a:tint val="75000"/>
@@ -3192,7 +2857,7 @@
           <a:p>
             <a:fld id="{8D232F40-33DB-1541-A3A6-02E9A9902D9C}" type="datetimeFigureOut">
               <a:rPr kumimoji="1" lang="ja-JP" altLang="en-US" smtClean="0"/>
-              <a:t>2022/3/30</a:t>
+              <a:t>2022/6/6</a:t>
             </a:fld>
             <a:endParaRPr kumimoji="1" lang="ja-JP" altLang="en-US"/>
           </a:p>
@@ -3200,13 +2865,7 @@
       </p:sp>
       <p:sp>
         <p:nvSpPr>
-          <p:cNvPr id="5" name="フッター プレースホルダー 4">
-            <a:extLst>
-              <a:ext uri="{FF2B5EF4-FFF2-40B4-BE49-F238E27FC236}">
-                <a16:creationId xmlns:a16="http://schemas.microsoft.com/office/drawing/2014/main" id="{BAB07B1C-E128-204F-93EE-D1C8CE097638}"/>
-              </a:ext>
-            </a:extLst>
-          </p:cNvPr>
+          <p:cNvPr id="5" name="Footer Placeholder 4"/>
           <p:cNvSpPr>
             <a:spLocks noGrp="1"/>
           </p:cNvSpPr>
@@ -3216,8 +2875,8 @@
         </p:nvSpPr>
         <p:spPr>
           <a:xfrm>
-            <a:off x="4038600" y="6356350"/>
-            <a:ext cx="4114800" cy="365125"/>
+            <a:off x="5047725" y="7417214"/>
+            <a:ext cx="5142964" cy="426064"/>
           </a:xfrm>
           <a:prstGeom prst="rect">
             <a:avLst/>
@@ -3227,7 +2886,7 @@
           <a:bodyPr vert="horz" lIns="91440" tIns="45720" rIns="91440" bIns="45720" rtlCol="0" anchor="ctr"/>
           <a:lstStyle>
             <a:lvl1pPr algn="ctr">
-              <a:defRPr sz="1200">
+              <a:defRPr sz="1400">
                 <a:solidFill>
                   <a:schemeClr val="tx1">
                     <a:tint val="75000"/>
@@ -3243,13 +2902,7 @@
       </p:sp>
       <p:sp>
         <p:nvSpPr>
-          <p:cNvPr id="6" name="スライド番号プレースホルダー 5">
-            <a:extLst>
-              <a:ext uri="{FF2B5EF4-FFF2-40B4-BE49-F238E27FC236}">
-                <a16:creationId xmlns:a16="http://schemas.microsoft.com/office/drawing/2014/main" id="{1669E688-7E48-A84D-8A15-214540BC21D6}"/>
-              </a:ext>
-            </a:extLst>
-          </p:cNvPr>
+          <p:cNvPr id="6" name="Slide Number Placeholder 5"/>
           <p:cNvSpPr>
             <a:spLocks noGrp="1"/>
           </p:cNvSpPr>
@@ -3259,8 +2912,8 @@
         </p:nvSpPr>
         <p:spPr>
           <a:xfrm>
-            <a:off x="8610600" y="6356350"/>
-            <a:ext cx="2743200" cy="365125"/>
+            <a:off x="10762129" y="7417214"/>
+            <a:ext cx="3428643" cy="426064"/>
           </a:xfrm>
           <a:prstGeom prst="rect">
             <a:avLst/>
@@ -3270,7 +2923,7 @@
           <a:bodyPr vert="horz" lIns="91440" tIns="45720" rIns="91440" bIns="45720" rtlCol="0" anchor="ctr"/>
           <a:lstStyle>
             <a:lvl1pPr algn="r">
-              <a:defRPr sz="1200">
+              <a:defRPr sz="1400">
                 <a:solidFill>
                   <a:schemeClr val="tx1">
                     <a:tint val="75000"/>
@@ -3291,27 +2944,27 @@
     </p:spTree>
     <p:extLst>
       <p:ext uri="{BB962C8B-B14F-4D97-AF65-F5344CB8AC3E}">
-        <p14:creationId xmlns:p14="http://schemas.microsoft.com/office/powerpoint/2010/main" val="634640553"/>
+        <p14:creationId xmlns:p14="http://schemas.microsoft.com/office/powerpoint/2010/main" val="4062320004"/>
       </p:ext>
     </p:extLst>
   </p:cSld>
   <p:clrMap bg1="lt1" tx1="dk1" bg2="lt2" tx2="dk2" accent1="accent1" accent2="accent2" accent3="accent3" accent4="accent4" accent5="accent5" accent6="accent6" hlink="hlink" folHlink="folHlink"/>
   <p:sldLayoutIdLst>
-    <p:sldLayoutId id="2147483649" r:id="rId1"/>
-    <p:sldLayoutId id="2147483650" r:id="rId2"/>
-    <p:sldLayoutId id="2147483651" r:id="rId3"/>
-    <p:sldLayoutId id="2147483652" r:id="rId4"/>
-    <p:sldLayoutId id="2147483653" r:id="rId5"/>
-    <p:sldLayoutId id="2147483654" r:id="rId6"/>
-    <p:sldLayoutId id="2147483655" r:id="rId7"/>
-    <p:sldLayoutId id="2147483656" r:id="rId8"/>
-    <p:sldLayoutId id="2147483657" r:id="rId9"/>
-    <p:sldLayoutId id="2147483658" r:id="rId10"/>
-    <p:sldLayoutId id="2147483659" r:id="rId11"/>
+    <p:sldLayoutId id="2147483673" r:id="rId1"/>
+    <p:sldLayoutId id="2147483674" r:id="rId2"/>
+    <p:sldLayoutId id="2147483675" r:id="rId3"/>
+    <p:sldLayoutId id="2147483676" r:id="rId4"/>
+    <p:sldLayoutId id="2147483677" r:id="rId5"/>
+    <p:sldLayoutId id="2147483678" r:id="rId6"/>
+    <p:sldLayoutId id="2147483679" r:id="rId7"/>
+    <p:sldLayoutId id="2147483680" r:id="rId8"/>
+    <p:sldLayoutId id="2147483681" r:id="rId9"/>
+    <p:sldLayoutId id="2147483682" r:id="rId10"/>
+    <p:sldLayoutId id="2147483683" r:id="rId11"/>
   </p:sldLayoutIdLst>
   <p:txStyles>
     <p:titleStyle>
-      <a:lvl1pPr algn="l" defTabSz="914400" rtl="0" eaLnBrk="1" latinLnBrk="0" hangingPunct="1">
+      <a:lvl1pPr algn="l" defTabSz="1067013" rtl="0" eaLnBrk="1" latinLnBrk="0" hangingPunct="1">
         <a:lnSpc>
           <a:spcPct val="90000"/>
         </a:lnSpc>
@@ -3319,7 +2972,7 @@
           <a:spcPct val="0"/>
         </a:spcBef>
         <a:buNone/>
-        <a:defRPr kumimoji="1" sz="4400" kern="1200">
+        <a:defRPr kumimoji="1" sz="5134" kern="1200">
           <a:solidFill>
             <a:schemeClr val="tx1"/>
           </a:solidFill>
@@ -3330,16 +2983,16 @@
       </a:lvl1pPr>
     </p:titleStyle>
     <p:bodyStyle>
-      <a:lvl1pPr marL="228600" indent="-228600" algn="l" defTabSz="914400" rtl="0" eaLnBrk="1" latinLnBrk="0" hangingPunct="1">
+      <a:lvl1pPr marL="266753" indent="-266753" algn="l" defTabSz="1067013" rtl="0" eaLnBrk="1" latinLnBrk="0" hangingPunct="1">
         <a:lnSpc>
           <a:spcPct val="90000"/>
         </a:lnSpc>
         <a:spcBef>
-          <a:spcPts val="1000"/>
+          <a:spcPts val="1167"/>
         </a:spcBef>
         <a:buFont typeface="Arial" panose="020B0604020202020204" pitchFamily="34" charset="0"/>
         <a:buChar char="•"/>
-        <a:defRPr kumimoji="1" sz="2800" kern="1200">
+        <a:defRPr kumimoji="1" sz="3267" kern="1200">
           <a:solidFill>
             <a:schemeClr val="tx1"/>
           </a:solidFill>
@@ -3348,16 +3001,16 @@
           <a:cs typeface="+mn-cs"/>
         </a:defRPr>
       </a:lvl1pPr>
-      <a:lvl2pPr marL="685800" indent="-228600" algn="l" defTabSz="914400" rtl="0" eaLnBrk="1" latinLnBrk="0" hangingPunct="1">
+      <a:lvl2pPr marL="800260" indent="-266753" algn="l" defTabSz="1067013" rtl="0" eaLnBrk="1" latinLnBrk="0" hangingPunct="1">
         <a:lnSpc>
           <a:spcPct val="90000"/>
         </a:lnSpc>
         <a:spcBef>
-          <a:spcPts val="500"/>
+          <a:spcPts val="583"/>
         </a:spcBef>
         <a:buFont typeface="Arial" panose="020B0604020202020204" pitchFamily="34" charset="0"/>
         <a:buChar char="•"/>
-        <a:defRPr kumimoji="1" sz="2400" kern="1200">
+        <a:defRPr kumimoji="1" sz="2801" kern="1200">
           <a:solidFill>
             <a:schemeClr val="tx1"/>
           </a:solidFill>
@@ -3366,16 +3019,16 @@
           <a:cs typeface="+mn-cs"/>
         </a:defRPr>
       </a:lvl2pPr>
-      <a:lvl3pPr marL="1143000" indent="-228600" algn="l" defTabSz="914400" rtl="0" eaLnBrk="1" latinLnBrk="0" hangingPunct="1">
+      <a:lvl3pPr marL="1333767" indent="-266753" algn="l" defTabSz="1067013" rtl="0" eaLnBrk="1" latinLnBrk="0" hangingPunct="1">
         <a:lnSpc>
           <a:spcPct val="90000"/>
         </a:lnSpc>
         <a:spcBef>
-          <a:spcPts val="500"/>
+          <a:spcPts val="583"/>
         </a:spcBef>
         <a:buFont typeface="Arial" panose="020B0604020202020204" pitchFamily="34" charset="0"/>
         <a:buChar char="•"/>
-        <a:defRPr kumimoji="1" sz="2000" kern="1200">
+        <a:defRPr kumimoji="1" sz="2334" kern="1200">
           <a:solidFill>
             <a:schemeClr val="tx1"/>
           </a:solidFill>
@@ -3384,16 +3037,16 @@
           <a:cs typeface="+mn-cs"/>
         </a:defRPr>
       </a:lvl3pPr>
-      <a:lvl4pPr marL="1600200" indent="-228600" algn="l" defTabSz="914400" rtl="0" eaLnBrk="1" latinLnBrk="0" hangingPunct="1">
+      <a:lvl4pPr marL="1867273" indent="-266753" algn="l" defTabSz="1067013" rtl="0" eaLnBrk="1" latinLnBrk="0" hangingPunct="1">
         <a:lnSpc>
           <a:spcPct val="90000"/>
         </a:lnSpc>
         <a:spcBef>
-          <a:spcPts val="500"/>
+          <a:spcPts val="583"/>
         </a:spcBef>
         <a:buFont typeface="Arial" panose="020B0604020202020204" pitchFamily="34" charset="0"/>
         <a:buChar char="•"/>
-        <a:defRPr kumimoji="1" sz="1800" kern="1200">
+        <a:defRPr kumimoji="1" sz="2100" kern="1200">
           <a:solidFill>
             <a:schemeClr val="tx1"/>
           </a:solidFill>
@@ -3402,16 +3055,16 @@
           <a:cs typeface="+mn-cs"/>
         </a:defRPr>
       </a:lvl4pPr>
-      <a:lvl5pPr marL="2057400" indent="-228600" algn="l" defTabSz="914400" rtl="0" eaLnBrk="1" latinLnBrk="0" hangingPunct="1">
+      <a:lvl5pPr marL="2400780" indent="-266753" algn="l" defTabSz="1067013" rtl="0" eaLnBrk="1" latinLnBrk="0" hangingPunct="1">
         <a:lnSpc>
           <a:spcPct val="90000"/>
         </a:lnSpc>
         <a:spcBef>
-          <a:spcPts val="500"/>
+          <a:spcPts val="583"/>
         </a:spcBef>
         <a:buFont typeface="Arial" panose="020B0604020202020204" pitchFamily="34" charset="0"/>
         <a:buChar char="•"/>
-        <a:defRPr kumimoji="1" sz="1800" kern="1200">
+        <a:defRPr kumimoji="1" sz="2100" kern="1200">
           <a:solidFill>
             <a:schemeClr val="tx1"/>
           </a:solidFill>
@@ -3420,16 +3073,16 @@
           <a:cs typeface="+mn-cs"/>
         </a:defRPr>
       </a:lvl5pPr>
-      <a:lvl6pPr marL="2514600" indent="-228600" algn="l" defTabSz="914400" rtl="0" eaLnBrk="1" latinLnBrk="0" hangingPunct="1">
+      <a:lvl6pPr marL="2934287" indent="-266753" algn="l" defTabSz="1067013" rtl="0" eaLnBrk="1" latinLnBrk="0" hangingPunct="1">
         <a:lnSpc>
           <a:spcPct val="90000"/>
         </a:lnSpc>
         <a:spcBef>
-          <a:spcPts val="500"/>
+          <a:spcPts val="583"/>
         </a:spcBef>
         <a:buFont typeface="Arial" panose="020B0604020202020204" pitchFamily="34" charset="0"/>
         <a:buChar char="•"/>
-        <a:defRPr kumimoji="1" sz="1800" kern="1200">
+        <a:defRPr kumimoji="1" sz="2100" kern="1200">
           <a:solidFill>
             <a:schemeClr val="tx1"/>
           </a:solidFill>
@@ -3438,16 +3091,16 @@
           <a:cs typeface="+mn-cs"/>
         </a:defRPr>
       </a:lvl6pPr>
-      <a:lvl7pPr marL="2971800" indent="-228600" algn="l" defTabSz="914400" rtl="0" eaLnBrk="1" latinLnBrk="0" hangingPunct="1">
+      <a:lvl7pPr marL="3467793" indent="-266753" algn="l" defTabSz="1067013" rtl="0" eaLnBrk="1" latinLnBrk="0" hangingPunct="1">
         <a:lnSpc>
           <a:spcPct val="90000"/>
         </a:lnSpc>
         <a:spcBef>
-          <a:spcPts val="500"/>
+          <a:spcPts val="583"/>
         </a:spcBef>
         <a:buFont typeface="Arial" panose="020B0604020202020204" pitchFamily="34" charset="0"/>
         <a:buChar char="•"/>
-        <a:defRPr kumimoji="1" sz="1800" kern="1200">
+        <a:defRPr kumimoji="1" sz="2100" kern="1200">
           <a:solidFill>
             <a:schemeClr val="tx1"/>
           </a:solidFill>
@@ -3456,16 +3109,16 @@
           <a:cs typeface="+mn-cs"/>
         </a:defRPr>
       </a:lvl7pPr>
-      <a:lvl8pPr marL="3429000" indent="-228600" algn="l" defTabSz="914400" rtl="0" eaLnBrk="1" latinLnBrk="0" hangingPunct="1">
+      <a:lvl8pPr marL="4001300" indent="-266753" algn="l" defTabSz="1067013" rtl="0" eaLnBrk="1" latinLnBrk="0" hangingPunct="1">
         <a:lnSpc>
           <a:spcPct val="90000"/>
         </a:lnSpc>
         <a:spcBef>
-          <a:spcPts val="500"/>
+          <a:spcPts val="583"/>
         </a:spcBef>
         <a:buFont typeface="Arial" panose="020B0604020202020204" pitchFamily="34" charset="0"/>
         <a:buChar char="•"/>
-        <a:defRPr kumimoji="1" sz="1800" kern="1200">
+        <a:defRPr kumimoji="1" sz="2100" kern="1200">
           <a:solidFill>
             <a:schemeClr val="tx1"/>
           </a:solidFill>
@@ -3474,16 +3127,16 @@
           <a:cs typeface="+mn-cs"/>
         </a:defRPr>
       </a:lvl8pPr>
-      <a:lvl9pPr marL="3886200" indent="-228600" algn="l" defTabSz="914400" rtl="0" eaLnBrk="1" latinLnBrk="0" hangingPunct="1">
+      <a:lvl9pPr marL="4534807" indent="-266753" algn="l" defTabSz="1067013" rtl="0" eaLnBrk="1" latinLnBrk="0" hangingPunct="1">
         <a:lnSpc>
           <a:spcPct val="90000"/>
         </a:lnSpc>
         <a:spcBef>
-          <a:spcPts val="500"/>
+          <a:spcPts val="583"/>
         </a:spcBef>
         <a:buFont typeface="Arial" panose="020B0604020202020204" pitchFamily="34" charset="0"/>
         <a:buChar char="•"/>
-        <a:defRPr kumimoji="1" sz="1800" kern="1200">
+        <a:defRPr kumimoji="1" sz="2100" kern="1200">
           <a:solidFill>
             <a:schemeClr val="tx1"/>
           </a:solidFill>
@@ -3495,10 +3148,10 @@
     </p:bodyStyle>
     <p:otherStyle>
       <a:defPPr>
-        <a:defRPr lang="ja-JP"/>
+        <a:defRPr lang="en-US"/>
       </a:defPPr>
-      <a:lvl1pPr marL="0" algn="l" defTabSz="914400" rtl="0" eaLnBrk="1" latinLnBrk="0" hangingPunct="1">
-        <a:defRPr kumimoji="1" sz="1800" kern="1200">
+      <a:lvl1pPr marL="0" algn="l" defTabSz="1067013" rtl="0" eaLnBrk="1" latinLnBrk="0" hangingPunct="1">
+        <a:defRPr kumimoji="1" sz="2100" kern="1200">
           <a:solidFill>
             <a:schemeClr val="tx1"/>
           </a:solidFill>
@@ -3507,8 +3160,8 @@
           <a:cs typeface="+mn-cs"/>
         </a:defRPr>
       </a:lvl1pPr>
-      <a:lvl2pPr marL="457200" algn="l" defTabSz="914400" rtl="0" eaLnBrk="1" latinLnBrk="0" hangingPunct="1">
-        <a:defRPr kumimoji="1" sz="1800" kern="1200">
+      <a:lvl2pPr marL="533507" algn="l" defTabSz="1067013" rtl="0" eaLnBrk="1" latinLnBrk="0" hangingPunct="1">
+        <a:defRPr kumimoji="1" sz="2100" kern="1200">
           <a:solidFill>
             <a:schemeClr val="tx1"/>
           </a:solidFill>
@@ -3517,8 +3170,8 @@
           <a:cs typeface="+mn-cs"/>
         </a:defRPr>
       </a:lvl2pPr>
-      <a:lvl3pPr marL="914400" algn="l" defTabSz="914400" rtl="0" eaLnBrk="1" latinLnBrk="0" hangingPunct="1">
-        <a:defRPr kumimoji="1" sz="1800" kern="1200">
+      <a:lvl3pPr marL="1067013" algn="l" defTabSz="1067013" rtl="0" eaLnBrk="1" latinLnBrk="0" hangingPunct="1">
+        <a:defRPr kumimoji="1" sz="2100" kern="1200">
           <a:solidFill>
             <a:schemeClr val="tx1"/>
           </a:solidFill>
@@ -3527,8 +3180,8 @@
           <a:cs typeface="+mn-cs"/>
         </a:defRPr>
       </a:lvl3pPr>
-      <a:lvl4pPr marL="1371600" algn="l" defTabSz="914400" rtl="0" eaLnBrk="1" latinLnBrk="0" hangingPunct="1">
-        <a:defRPr kumimoji="1" sz="1800" kern="1200">
+      <a:lvl4pPr marL="1600520" algn="l" defTabSz="1067013" rtl="0" eaLnBrk="1" latinLnBrk="0" hangingPunct="1">
+        <a:defRPr kumimoji="1" sz="2100" kern="1200">
           <a:solidFill>
             <a:schemeClr val="tx1"/>
           </a:solidFill>
@@ -3537,8 +3190,8 @@
           <a:cs typeface="+mn-cs"/>
         </a:defRPr>
       </a:lvl4pPr>
-      <a:lvl5pPr marL="1828800" algn="l" defTabSz="914400" rtl="0" eaLnBrk="1" latinLnBrk="0" hangingPunct="1">
-        <a:defRPr kumimoji="1" sz="1800" kern="1200">
+      <a:lvl5pPr marL="2134027" algn="l" defTabSz="1067013" rtl="0" eaLnBrk="1" latinLnBrk="0" hangingPunct="1">
+        <a:defRPr kumimoji="1" sz="2100" kern="1200">
           <a:solidFill>
             <a:schemeClr val="tx1"/>
           </a:solidFill>
@@ -3547,8 +3200,8 @@
           <a:cs typeface="+mn-cs"/>
         </a:defRPr>
       </a:lvl5pPr>
-      <a:lvl6pPr marL="2286000" algn="l" defTabSz="914400" rtl="0" eaLnBrk="1" latinLnBrk="0" hangingPunct="1">
-        <a:defRPr kumimoji="1" sz="1800" kern="1200">
+      <a:lvl6pPr marL="2667533" algn="l" defTabSz="1067013" rtl="0" eaLnBrk="1" latinLnBrk="0" hangingPunct="1">
+        <a:defRPr kumimoji="1" sz="2100" kern="1200">
           <a:solidFill>
             <a:schemeClr val="tx1"/>
           </a:solidFill>
@@ -3557,8 +3210,8 @@
           <a:cs typeface="+mn-cs"/>
         </a:defRPr>
       </a:lvl6pPr>
-      <a:lvl7pPr marL="2743200" algn="l" defTabSz="914400" rtl="0" eaLnBrk="1" latinLnBrk="0" hangingPunct="1">
-        <a:defRPr kumimoji="1" sz="1800" kern="1200">
+      <a:lvl7pPr marL="3201040" algn="l" defTabSz="1067013" rtl="0" eaLnBrk="1" latinLnBrk="0" hangingPunct="1">
+        <a:defRPr kumimoji="1" sz="2100" kern="1200">
           <a:solidFill>
             <a:schemeClr val="tx1"/>
           </a:solidFill>
@@ -3567,8 +3220,8 @@
           <a:cs typeface="+mn-cs"/>
         </a:defRPr>
       </a:lvl7pPr>
-      <a:lvl8pPr marL="3200400" algn="l" defTabSz="914400" rtl="0" eaLnBrk="1" latinLnBrk="0" hangingPunct="1">
-        <a:defRPr kumimoji="1" sz="1800" kern="1200">
+      <a:lvl8pPr marL="3734547" algn="l" defTabSz="1067013" rtl="0" eaLnBrk="1" latinLnBrk="0" hangingPunct="1">
+        <a:defRPr kumimoji="1" sz="2100" kern="1200">
           <a:solidFill>
             <a:schemeClr val="tx1"/>
           </a:solidFill>
@@ -3577,8 +3230,8 @@
           <a:cs typeface="+mn-cs"/>
         </a:defRPr>
       </a:lvl8pPr>
-      <a:lvl9pPr marL="3657600" algn="l" defTabSz="914400" rtl="0" eaLnBrk="1" latinLnBrk="0" hangingPunct="1">
-        <a:defRPr kumimoji="1" sz="1800" kern="1200">
+      <a:lvl9pPr marL="4268053" algn="l" defTabSz="1067013" rtl="0" eaLnBrk="1" latinLnBrk="0" hangingPunct="1">
+        <a:defRPr kumimoji="1" sz="2100" kern="1200">
           <a:solidFill>
             <a:schemeClr val="tx1"/>
           </a:solidFill>
@@ -3623,8 +3276,8 @@
         </p:nvSpPr>
         <p:spPr>
           <a:xfrm>
-            <a:off x="1457398" y="1000800"/>
-            <a:ext cx="9277200" cy="4856400"/>
+            <a:off x="853941" y="459835"/>
+            <a:ext cx="13530525" cy="7082918"/>
           </a:xfrm>
           <a:prstGeom prst="rect">
             <a:avLst/>
@@ -3657,7 +3310,7 @@
           <a:lstStyle/>
           <a:p>
             <a:pPr algn="ctr"/>
-            <a:endParaRPr kumimoji="1" lang="ja-JP" altLang="en-US"/>
+            <a:endParaRPr lang="ja-JP" altLang="en-US" sz="2626"/>
           </a:p>
         </p:txBody>
       </p:sp>
@@ -3682,8 +3335,8 @@
         </p:blipFill>
         <p:spPr>
           <a:xfrm>
-            <a:off x="5081586" y="1645406"/>
-            <a:ext cx="2028826" cy="2171700"/>
+            <a:off x="6139713" y="1399974"/>
+            <a:ext cx="2958983" cy="3167361"/>
           </a:xfrm>
           <a:prstGeom prst="rect">
             <a:avLst/>
@@ -3712,8 +3365,8 @@
         </p:blipFill>
         <p:spPr>
           <a:xfrm>
-            <a:off x="4007246" y="4228276"/>
-            <a:ext cx="4177505" cy="680059"/>
+            <a:off x="4572821" y="5167016"/>
+            <a:ext cx="6092768" cy="991846"/>
           </a:xfrm>
           <a:prstGeom prst="rect">
             <a:avLst/>
@@ -3733,10 +3386,107 @@
 </p:sld>
 </file>
 
+<file path=ppt/slides/slide2.xml><?xml version="1.0" encoding="utf-8"?>
+<p:sld xmlns:a="http://schemas.openxmlformats.org/drawingml/2006/main" xmlns:r="http://schemas.openxmlformats.org/officeDocument/2006/relationships" xmlns:p="http://schemas.openxmlformats.org/presentationml/2006/main">
+  <p:cSld>
+    <p:bg>
+      <p:bgPr>
+        <a:solidFill>
+          <a:srgbClr val="F1FFFF"/>
+        </a:solidFill>
+        <a:effectLst/>
+      </p:bgPr>
+    </p:bg>
+    <p:spTree>
+      <p:nvGrpSpPr>
+        <p:cNvPr id="1" name=""/>
+        <p:cNvGrpSpPr/>
+        <p:nvPr/>
+      </p:nvGrpSpPr>
+      <p:grpSpPr>
+        <a:xfrm>
+          <a:off x="0" y="0"/>
+          <a:ext cx="0" cy="0"/>
+          <a:chOff x="0" y="0"/>
+          <a:chExt cx="0" cy="0"/>
+        </a:xfrm>
+      </p:grpSpPr>
+      <p:pic>
+        <p:nvPicPr>
+          <p:cNvPr id="5" name="図 4" descr="テキスト&#10;&#10;自動的に生成された説明">
+            <a:extLst>
+              <a:ext uri="{FF2B5EF4-FFF2-40B4-BE49-F238E27FC236}">
+                <a16:creationId xmlns:a16="http://schemas.microsoft.com/office/drawing/2014/main" id="{B769C218-D225-E1C9-66C7-A54A0F9E339A}"/>
+              </a:ext>
+            </a:extLst>
+          </p:cNvPr>
+          <p:cNvPicPr>
+            <a:picLocks noChangeAspect="1"/>
+          </p:cNvPicPr>
+          <p:nvPr/>
+        </p:nvPicPr>
+        <p:blipFill rotWithShape="1">
+          <a:blip r:embed="rId2"/>
+          <a:srcRect l="4778" r="6239"/>
+          <a:stretch/>
+        </p:blipFill>
+        <p:spPr>
+          <a:xfrm>
+            <a:off x="4488138" y="564451"/>
+            <a:ext cx="6262134" cy="3885078"/>
+          </a:xfrm>
+          <a:prstGeom prst="rect">
+            <a:avLst/>
+          </a:prstGeom>
+        </p:spPr>
+      </p:pic>
+      <p:pic>
+        <p:nvPicPr>
+          <p:cNvPr id="13" name="図 12" descr="アイコン&#10;&#10;自動的に生成された説明">
+            <a:extLst>
+              <a:ext uri="{FF2B5EF4-FFF2-40B4-BE49-F238E27FC236}">
+                <a16:creationId xmlns:a16="http://schemas.microsoft.com/office/drawing/2014/main" id="{CA6AADAA-2A79-F31E-E78D-F4709042B971}"/>
+              </a:ext>
+            </a:extLst>
+          </p:cNvPr>
+          <p:cNvPicPr>
+            <a:picLocks noChangeAspect="1"/>
+          </p:cNvPicPr>
+          <p:nvPr/>
+        </p:nvPicPr>
+        <p:blipFill>
+          <a:blip r:embed="rId3"/>
+          <a:stretch>
+            <a:fillRect/>
+          </a:stretch>
+        </p:blipFill>
+        <p:spPr>
+          <a:xfrm>
+            <a:off x="5236444" y="3488705"/>
+            <a:ext cx="4765523" cy="4765523"/>
+          </a:xfrm>
+          <a:prstGeom prst="rect">
+            <a:avLst/>
+          </a:prstGeom>
+        </p:spPr>
+      </p:pic>
+    </p:spTree>
+    <p:extLst>
+      <p:ext uri="{BB962C8B-B14F-4D97-AF65-F5344CB8AC3E}">
+        <p14:creationId xmlns:p14="http://schemas.microsoft.com/office/powerpoint/2010/main" val="1720654834"/>
+      </p:ext>
+    </p:extLst>
+  </p:cSld>
+  <p:clrMapOvr>
+    <a:masterClrMapping/>
+  </p:clrMapOvr>
+</p:sld>
+</file>
+
 <file path=ppt/theme/theme1.xml><?xml version="1.0" encoding="utf-8"?>
 <a:theme xmlns:a="http://schemas.openxmlformats.org/drawingml/2006/main" name="Office テーマ">
   <a:themeElements>
-    <a:clrScheme name="Office">
+    <a:clrScheme name="Office テーマ">
       <a:dk1>
         <a:sysClr val="windowText" lastClr="000000"/>
       </a:dk1>
@@ -3774,9 +3524,9 @@
         <a:srgbClr val="954F72"/>
       </a:folHlink>
     </a:clrScheme>
-    <a:fontScheme name="Office">
+    <a:fontScheme name="Office テーマ">
       <a:majorFont>
-        <a:latin typeface="游ゴシック Light" panose="020F0302020204030204"/>
+        <a:latin typeface="Calibri Light" panose="020F0302020204030204"/>
         <a:ea typeface=""/>
         <a:cs typeface=""/>
         <a:font script="Jpan" typeface="游ゴシック Light"/>
@@ -3809,26 +3559,9 @@
         <a:font script="Viet" typeface="Times New Roman"/>
         <a:font script="Uigh" typeface="Microsoft Uighur"/>
         <a:font script="Geor" typeface="Sylfaen"/>
-        <a:font script="Armn" typeface="Arial"/>
-        <a:font script="Bugi" typeface="Leelawadee UI"/>
-        <a:font script="Bopo" typeface="Microsoft JhengHei"/>
-        <a:font script="Java" typeface="Javanese Text"/>
-        <a:font script="Lisu" typeface="Segoe UI"/>
-        <a:font script="Mymr" typeface="Myanmar Text"/>
-        <a:font script="Nkoo" typeface="Ebrima"/>
-        <a:font script="Olck" typeface="Nirmala UI"/>
-        <a:font script="Osma" typeface="Ebrima"/>
-        <a:font script="Phag" typeface="Phagspa"/>
-        <a:font script="Syrn" typeface="Estrangelo Edessa"/>
-        <a:font script="Syrj" typeface="Estrangelo Edessa"/>
-        <a:font script="Syre" typeface="Estrangelo Edessa"/>
-        <a:font script="Sora" typeface="Nirmala UI"/>
-        <a:font script="Tale" typeface="Microsoft Tai Le"/>
-        <a:font script="Talu" typeface="Microsoft New Tai Lue"/>
-        <a:font script="Tfng" typeface="Ebrima"/>
       </a:majorFont>
       <a:minorFont>
-        <a:latin typeface="游ゴシック" panose="020F0502020204030204"/>
+        <a:latin typeface="Calibri" panose="020F0502020204030204"/>
         <a:ea typeface=""/>
         <a:cs typeface=""/>
         <a:font script="Jpan" typeface="游ゴシック"/>
@@ -3861,26 +3594,9 @@
         <a:font script="Viet" typeface="Arial"/>
         <a:font script="Uigh" typeface="Microsoft Uighur"/>
         <a:font script="Geor" typeface="Sylfaen"/>
-        <a:font script="Armn" typeface="Arial"/>
-        <a:font script="Bugi" typeface="Leelawadee UI"/>
-        <a:font script="Bopo" typeface="Microsoft JhengHei"/>
-        <a:font script="Java" typeface="Javanese Text"/>
-        <a:font script="Lisu" typeface="Segoe UI"/>
-        <a:font script="Mymr" typeface="Myanmar Text"/>
-        <a:font script="Nkoo" typeface="Ebrima"/>
-        <a:font script="Olck" typeface="Nirmala UI"/>
-        <a:font script="Osma" typeface="Ebrima"/>
-        <a:font script="Phag" typeface="Phagspa"/>
-        <a:font script="Syrn" typeface="Estrangelo Edessa"/>
-        <a:font script="Syrj" typeface="Estrangelo Edessa"/>
-        <a:font script="Syre" typeface="Estrangelo Edessa"/>
-        <a:font script="Sora" typeface="Nirmala UI"/>
-        <a:font script="Tale" typeface="Microsoft Tai Le"/>
-        <a:font script="Talu" typeface="Microsoft New Tai Lue"/>
-        <a:font script="Tfng" typeface="Ebrima"/>
       </a:minorFont>
     </a:fontScheme>
-    <a:fmtScheme name="Office">
+    <a:fmtScheme name="Office テーマ">
       <a:fillStyleLst>
         <a:solidFill>
           <a:schemeClr val="phClr"/>
